--- a/figures/pipeline.pptx
+++ b/figures/pipeline.pptx
@@ -2,12 +2,12 @@
 <file path=ppt/presentation.xml><?xml version="1.0" encoding="utf-8"?>
 <p:presentation xmlns:a="http://schemas.openxmlformats.org/drawingml/2006/main" xmlns:r="http://schemas.openxmlformats.org/officeDocument/2006/relationships" xmlns:p="http://schemas.openxmlformats.org/presentationml/2006/main" saveSubsetFonts="1" autoCompressPictures="0">
   <p:sldMasterIdLst>
-    <p:sldMasterId id="2147483696" r:id="rId1"/>
+    <p:sldMasterId id="2147483732" r:id="rId1"/>
   </p:sldMasterIdLst>
   <p:sldIdLst>
     <p:sldId id="256" r:id="rId2"/>
   </p:sldIdLst>
-  <p:sldSz cx="18000663" cy="7199313"/>
+  <p:sldSz cx="17279938" cy="6119813"/>
   <p:notesSz cx="6858000" cy="9144000"/>
   <p:defaultTextStyle>
     <a:defPPr>
@@ -141,15 +141,15 @@
         </p:nvSpPr>
         <p:spPr>
           <a:xfrm>
-            <a:off x="2250083" y="1178222"/>
-            <a:ext cx="13500497" cy="2506427"/>
+            <a:off x="2159992" y="1001553"/>
+            <a:ext cx="12959954" cy="2130602"/>
           </a:xfrm>
         </p:spPr>
         <p:txBody>
           <a:bodyPr anchor="b"/>
           <a:lstStyle>
             <a:lvl1pPr algn="ctr">
-              <a:defRPr sz="6299"/>
+              <a:defRPr sz="5354"/>
             </a:lvl1pPr>
           </a:lstStyle>
           <a:p>
@@ -173,8 +173,8 @@
         </p:nvSpPr>
         <p:spPr>
           <a:xfrm>
-            <a:off x="2250083" y="3781306"/>
-            <a:ext cx="13500497" cy="1738167"/>
+            <a:off x="2159992" y="3214319"/>
+            <a:ext cx="12959954" cy="1477538"/>
           </a:xfrm>
         </p:spPr>
         <p:txBody>
@@ -182,39 +182,39 @@
           <a:lstStyle>
             <a:lvl1pPr marL="0" indent="0" algn="ctr">
               <a:buNone/>
-              <a:defRPr sz="2520"/>
+              <a:defRPr sz="2142"/>
             </a:lvl1pPr>
-            <a:lvl2pPr marL="479969" indent="0" algn="ctr">
+            <a:lvl2pPr marL="408005" indent="0" algn="ctr">
               <a:buNone/>
-              <a:defRPr sz="2100"/>
+              <a:defRPr sz="1785"/>
             </a:lvl2pPr>
-            <a:lvl3pPr marL="959937" indent="0" algn="ctr">
+            <a:lvl3pPr marL="816011" indent="0" algn="ctr">
               <a:buNone/>
-              <a:defRPr sz="1890"/>
+              <a:defRPr sz="1606"/>
             </a:lvl3pPr>
-            <a:lvl4pPr marL="1439906" indent="0" algn="ctr">
+            <a:lvl4pPr marL="1224016" indent="0" algn="ctr">
               <a:buNone/>
-              <a:defRPr sz="1680"/>
+              <a:defRPr sz="1428"/>
             </a:lvl4pPr>
-            <a:lvl5pPr marL="1919874" indent="0" algn="ctr">
+            <a:lvl5pPr marL="1632021" indent="0" algn="ctr">
               <a:buNone/>
-              <a:defRPr sz="1680"/>
+              <a:defRPr sz="1428"/>
             </a:lvl5pPr>
-            <a:lvl6pPr marL="2399843" indent="0" algn="ctr">
+            <a:lvl6pPr marL="2040026" indent="0" algn="ctr">
               <a:buNone/>
-              <a:defRPr sz="1680"/>
+              <a:defRPr sz="1428"/>
             </a:lvl6pPr>
-            <a:lvl7pPr marL="2879811" indent="0" algn="ctr">
+            <a:lvl7pPr marL="2448032" indent="0" algn="ctr">
               <a:buNone/>
-              <a:defRPr sz="1680"/>
+              <a:defRPr sz="1428"/>
             </a:lvl7pPr>
-            <a:lvl8pPr marL="3359780" indent="0" algn="ctr">
+            <a:lvl8pPr marL="2856037" indent="0" algn="ctr">
               <a:buNone/>
-              <a:defRPr sz="1680"/>
+              <a:defRPr sz="1428"/>
             </a:lvl8pPr>
-            <a:lvl9pPr marL="3839748" indent="0" algn="ctr">
+            <a:lvl9pPr marL="3264042" indent="0" algn="ctr">
               <a:buNone/>
-              <a:defRPr sz="1680"/>
+              <a:defRPr sz="1428"/>
             </a:lvl9pPr>
           </a:lstStyle>
           <a:p>
@@ -243,7 +243,7 @@
           <a:p>
             <a:fld id="{43154C27-DF14-C749-8275-2CAAA9F43E1D}" type="datetimeFigureOut">
               <a:rPr kumimoji="1" lang="zh-CN" altLang="en-US" smtClean="0"/>
-              <a:t>2022/9/13</a:t>
+              <a:t>2022/10/15</a:t>
             </a:fld>
             <a:endParaRPr kumimoji="1" lang="zh-CN" altLang="en-US"/>
           </a:p>
@@ -294,7 +294,7 @@
     </p:spTree>
     <p:extLst>
       <p:ext uri="{BB962C8B-B14F-4D97-AF65-F5344CB8AC3E}">
-        <p14:creationId xmlns:p14="http://schemas.microsoft.com/office/powerpoint/2010/main" val="1399670990"/>
+        <p14:creationId xmlns:p14="http://schemas.microsoft.com/office/powerpoint/2010/main" val="787436172"/>
       </p:ext>
     </p:extLst>
   </p:cSld>
@@ -413,7 +413,7 @@
           <a:p>
             <a:fld id="{43154C27-DF14-C749-8275-2CAAA9F43E1D}" type="datetimeFigureOut">
               <a:rPr kumimoji="1" lang="zh-CN" altLang="en-US" smtClean="0"/>
-              <a:t>2022/9/13</a:t>
+              <a:t>2022/10/15</a:t>
             </a:fld>
             <a:endParaRPr kumimoji="1" lang="zh-CN" altLang="en-US"/>
           </a:p>
@@ -464,7 +464,7 @@
     </p:spTree>
     <p:extLst>
       <p:ext uri="{BB962C8B-B14F-4D97-AF65-F5344CB8AC3E}">
-        <p14:creationId xmlns:p14="http://schemas.microsoft.com/office/powerpoint/2010/main" val="2431062813"/>
+        <p14:creationId xmlns:p14="http://schemas.microsoft.com/office/powerpoint/2010/main" val="1941875768"/>
       </p:ext>
     </p:extLst>
   </p:cSld>
@@ -503,8 +503,8 @@
         </p:nvSpPr>
         <p:spPr>
           <a:xfrm>
-            <a:off x="12881724" y="383297"/>
-            <a:ext cx="3881393" cy="6101085"/>
+            <a:off x="12365955" y="325823"/>
+            <a:ext cx="3725987" cy="5186259"/>
           </a:xfrm>
         </p:spPr>
         <p:txBody>
@@ -531,8 +531,8 @@
         </p:nvSpPr>
         <p:spPr>
           <a:xfrm>
-            <a:off x="1237545" y="383297"/>
-            <a:ext cx="11419171" cy="6101085"/>
+            <a:off x="1187996" y="325823"/>
+            <a:ext cx="10961961" cy="5186259"/>
           </a:xfrm>
         </p:spPr>
         <p:txBody>
@@ -593,7 +593,7 @@
           <a:p>
             <a:fld id="{43154C27-DF14-C749-8275-2CAAA9F43E1D}" type="datetimeFigureOut">
               <a:rPr kumimoji="1" lang="zh-CN" altLang="en-US" smtClean="0"/>
-              <a:t>2022/9/13</a:t>
+              <a:t>2022/10/15</a:t>
             </a:fld>
             <a:endParaRPr kumimoji="1" lang="zh-CN" altLang="en-US"/>
           </a:p>
@@ -644,7 +644,7 @@
     </p:spTree>
     <p:extLst>
       <p:ext uri="{BB962C8B-B14F-4D97-AF65-F5344CB8AC3E}">
-        <p14:creationId xmlns:p14="http://schemas.microsoft.com/office/powerpoint/2010/main" val="744087835"/>
+        <p14:creationId xmlns:p14="http://schemas.microsoft.com/office/powerpoint/2010/main" val="2563121652"/>
       </p:ext>
     </p:extLst>
   </p:cSld>
@@ -763,7 +763,7 @@
           <a:p>
             <a:fld id="{43154C27-DF14-C749-8275-2CAAA9F43E1D}" type="datetimeFigureOut">
               <a:rPr kumimoji="1" lang="zh-CN" altLang="en-US" smtClean="0"/>
-              <a:t>2022/9/13</a:t>
+              <a:t>2022/10/15</a:t>
             </a:fld>
             <a:endParaRPr kumimoji="1" lang="zh-CN" altLang="en-US"/>
           </a:p>
@@ -814,7 +814,7 @@
     </p:spTree>
     <p:extLst>
       <p:ext uri="{BB962C8B-B14F-4D97-AF65-F5344CB8AC3E}">
-        <p14:creationId xmlns:p14="http://schemas.microsoft.com/office/powerpoint/2010/main" val="1580683613"/>
+        <p14:creationId xmlns:p14="http://schemas.microsoft.com/office/powerpoint/2010/main" val="2128855568"/>
       </p:ext>
     </p:extLst>
   </p:cSld>
@@ -853,15 +853,15 @@
         </p:nvSpPr>
         <p:spPr>
           <a:xfrm>
-            <a:off x="1228170" y="1794830"/>
-            <a:ext cx="15525572" cy="2994714"/>
+            <a:off x="1178996" y="1525704"/>
+            <a:ext cx="14903947" cy="2545672"/>
           </a:xfrm>
         </p:spPr>
         <p:txBody>
           <a:bodyPr anchor="b"/>
           <a:lstStyle>
             <a:lvl1pPr>
-              <a:defRPr sz="6299"/>
+              <a:defRPr sz="5354"/>
             </a:lvl1pPr>
           </a:lstStyle>
           <a:p>
@@ -885,8 +885,8 @@
         </p:nvSpPr>
         <p:spPr>
           <a:xfrm>
-            <a:off x="1228170" y="4817875"/>
-            <a:ext cx="15525572" cy="1574849"/>
+            <a:off x="1178996" y="4095459"/>
+            <a:ext cx="14903947" cy="1338709"/>
           </a:xfrm>
         </p:spPr>
         <p:txBody>
@@ -894,7 +894,7 @@
           <a:lstStyle>
             <a:lvl1pPr marL="0" indent="0">
               <a:buNone/>
-              <a:defRPr sz="2520">
+              <a:defRPr sz="2142">
                 <a:solidFill>
                   <a:schemeClr val="tx1">
                     <a:tint val="75000"/>
@@ -902,9 +902,9 @@
                 </a:solidFill>
               </a:defRPr>
             </a:lvl1pPr>
-            <a:lvl2pPr marL="479969" indent="0">
+            <a:lvl2pPr marL="408005" indent="0">
               <a:buNone/>
-              <a:defRPr sz="2100">
+              <a:defRPr sz="1785">
                 <a:solidFill>
                   <a:schemeClr val="tx1">
                     <a:tint val="75000"/>
@@ -912,9 +912,9 @@
                 </a:solidFill>
               </a:defRPr>
             </a:lvl2pPr>
-            <a:lvl3pPr marL="959937" indent="0">
+            <a:lvl3pPr marL="816011" indent="0">
               <a:buNone/>
-              <a:defRPr sz="1890">
+              <a:defRPr sz="1606">
                 <a:solidFill>
                   <a:schemeClr val="tx1">
                     <a:tint val="75000"/>
@@ -922,9 +922,9 @@
                 </a:solidFill>
               </a:defRPr>
             </a:lvl3pPr>
-            <a:lvl4pPr marL="1439906" indent="0">
+            <a:lvl4pPr marL="1224016" indent="0">
               <a:buNone/>
-              <a:defRPr sz="1680">
+              <a:defRPr sz="1428">
                 <a:solidFill>
                   <a:schemeClr val="tx1">
                     <a:tint val="75000"/>
@@ -932,9 +932,9 @@
                 </a:solidFill>
               </a:defRPr>
             </a:lvl4pPr>
-            <a:lvl5pPr marL="1919874" indent="0">
+            <a:lvl5pPr marL="1632021" indent="0">
               <a:buNone/>
-              <a:defRPr sz="1680">
+              <a:defRPr sz="1428">
                 <a:solidFill>
                   <a:schemeClr val="tx1">
                     <a:tint val="75000"/>
@@ -942,9 +942,9 @@
                 </a:solidFill>
               </a:defRPr>
             </a:lvl5pPr>
-            <a:lvl6pPr marL="2399843" indent="0">
+            <a:lvl6pPr marL="2040026" indent="0">
               <a:buNone/>
-              <a:defRPr sz="1680">
+              <a:defRPr sz="1428">
                 <a:solidFill>
                   <a:schemeClr val="tx1">
                     <a:tint val="75000"/>
@@ -952,9 +952,9 @@
                 </a:solidFill>
               </a:defRPr>
             </a:lvl6pPr>
-            <a:lvl7pPr marL="2879811" indent="0">
+            <a:lvl7pPr marL="2448032" indent="0">
               <a:buNone/>
-              <a:defRPr sz="1680">
+              <a:defRPr sz="1428">
                 <a:solidFill>
                   <a:schemeClr val="tx1">
                     <a:tint val="75000"/>
@@ -962,9 +962,9 @@
                 </a:solidFill>
               </a:defRPr>
             </a:lvl7pPr>
-            <a:lvl8pPr marL="3359780" indent="0">
+            <a:lvl8pPr marL="2856037" indent="0">
               <a:buNone/>
-              <a:defRPr sz="1680">
+              <a:defRPr sz="1428">
                 <a:solidFill>
                   <a:schemeClr val="tx1">
                     <a:tint val="75000"/>
@@ -972,9 +972,9 @@
                 </a:solidFill>
               </a:defRPr>
             </a:lvl8pPr>
-            <a:lvl9pPr marL="3839748" indent="0">
+            <a:lvl9pPr marL="3264042" indent="0">
               <a:buNone/>
-              <a:defRPr sz="1680">
+              <a:defRPr sz="1428">
                 <a:solidFill>
                   <a:schemeClr val="tx1">
                     <a:tint val="75000"/>
@@ -1009,7 +1009,7 @@
           <a:p>
             <a:fld id="{43154C27-DF14-C749-8275-2CAAA9F43E1D}" type="datetimeFigureOut">
               <a:rPr kumimoji="1" lang="zh-CN" altLang="en-US" smtClean="0"/>
-              <a:t>2022/9/13</a:t>
+              <a:t>2022/10/15</a:t>
             </a:fld>
             <a:endParaRPr kumimoji="1" lang="zh-CN" altLang="en-US"/>
           </a:p>
@@ -1060,7 +1060,7 @@
     </p:spTree>
     <p:extLst>
       <p:ext uri="{BB962C8B-B14F-4D97-AF65-F5344CB8AC3E}">
-        <p14:creationId xmlns:p14="http://schemas.microsoft.com/office/powerpoint/2010/main" val="1892002137"/>
+        <p14:creationId xmlns:p14="http://schemas.microsoft.com/office/powerpoint/2010/main" val="3289919489"/>
       </p:ext>
     </p:extLst>
   </p:cSld>
@@ -1122,8 +1122,8 @@
         </p:nvSpPr>
         <p:spPr>
           <a:xfrm>
-            <a:off x="1237545" y="1916484"/>
-            <a:ext cx="7650282" cy="4567898"/>
+            <a:off x="1187996" y="1629117"/>
+            <a:ext cx="7343974" cy="3882965"/>
           </a:xfrm>
         </p:spPr>
         <p:txBody>
@@ -1179,8 +1179,8 @@
         </p:nvSpPr>
         <p:spPr>
           <a:xfrm>
-            <a:off x="9112836" y="1916484"/>
-            <a:ext cx="7650282" cy="4567898"/>
+            <a:off x="8747968" y="1629117"/>
+            <a:ext cx="7343974" cy="3882965"/>
           </a:xfrm>
         </p:spPr>
         <p:txBody>
@@ -1241,7 +1241,7 @@
           <a:p>
             <a:fld id="{43154C27-DF14-C749-8275-2CAAA9F43E1D}" type="datetimeFigureOut">
               <a:rPr kumimoji="1" lang="zh-CN" altLang="en-US" smtClean="0"/>
-              <a:t>2022/9/13</a:t>
+              <a:t>2022/10/15</a:t>
             </a:fld>
             <a:endParaRPr kumimoji="1" lang="zh-CN" altLang="en-US"/>
           </a:p>
@@ -1292,7 +1292,7 @@
     </p:spTree>
     <p:extLst>
       <p:ext uri="{BB962C8B-B14F-4D97-AF65-F5344CB8AC3E}">
-        <p14:creationId xmlns:p14="http://schemas.microsoft.com/office/powerpoint/2010/main" val="108042935"/>
+        <p14:creationId xmlns:p14="http://schemas.microsoft.com/office/powerpoint/2010/main" val="266751328"/>
       </p:ext>
     </p:extLst>
   </p:cSld>
@@ -1331,8 +1331,8 @@
         </p:nvSpPr>
         <p:spPr>
           <a:xfrm>
-            <a:off x="1239890" y="383297"/>
-            <a:ext cx="15525572" cy="1391534"/>
+            <a:off x="1190246" y="325824"/>
+            <a:ext cx="14903947" cy="1182881"/>
           </a:xfrm>
         </p:spPr>
         <p:txBody>
@@ -1359,8 +1359,8 @@
         </p:nvSpPr>
         <p:spPr>
           <a:xfrm>
-            <a:off x="1239891" y="1764832"/>
-            <a:ext cx="7615123" cy="864917"/>
+            <a:off x="1190247" y="1500205"/>
+            <a:ext cx="7310223" cy="735227"/>
           </a:xfrm>
         </p:spPr>
         <p:txBody>
@@ -1368,39 +1368,39 @@
           <a:lstStyle>
             <a:lvl1pPr marL="0" indent="0">
               <a:buNone/>
-              <a:defRPr sz="2520" b="1"/>
+              <a:defRPr sz="2142" b="1"/>
             </a:lvl1pPr>
-            <a:lvl2pPr marL="479969" indent="0">
+            <a:lvl2pPr marL="408005" indent="0">
               <a:buNone/>
-              <a:defRPr sz="2100" b="1"/>
+              <a:defRPr sz="1785" b="1"/>
             </a:lvl2pPr>
-            <a:lvl3pPr marL="959937" indent="0">
+            <a:lvl3pPr marL="816011" indent="0">
               <a:buNone/>
-              <a:defRPr sz="1890" b="1"/>
+              <a:defRPr sz="1606" b="1"/>
             </a:lvl3pPr>
-            <a:lvl4pPr marL="1439906" indent="0">
+            <a:lvl4pPr marL="1224016" indent="0">
               <a:buNone/>
-              <a:defRPr sz="1680" b="1"/>
+              <a:defRPr sz="1428" b="1"/>
             </a:lvl4pPr>
-            <a:lvl5pPr marL="1919874" indent="0">
+            <a:lvl5pPr marL="1632021" indent="0">
               <a:buNone/>
-              <a:defRPr sz="1680" b="1"/>
+              <a:defRPr sz="1428" b="1"/>
             </a:lvl5pPr>
-            <a:lvl6pPr marL="2399843" indent="0">
+            <a:lvl6pPr marL="2040026" indent="0">
               <a:buNone/>
-              <a:defRPr sz="1680" b="1"/>
+              <a:defRPr sz="1428" b="1"/>
             </a:lvl6pPr>
-            <a:lvl7pPr marL="2879811" indent="0">
+            <a:lvl7pPr marL="2448032" indent="0">
               <a:buNone/>
-              <a:defRPr sz="1680" b="1"/>
+              <a:defRPr sz="1428" b="1"/>
             </a:lvl7pPr>
-            <a:lvl8pPr marL="3359780" indent="0">
+            <a:lvl8pPr marL="2856037" indent="0">
               <a:buNone/>
-              <a:defRPr sz="1680" b="1"/>
+              <a:defRPr sz="1428" b="1"/>
             </a:lvl8pPr>
-            <a:lvl9pPr marL="3839748" indent="0">
+            <a:lvl9pPr marL="3264042" indent="0">
               <a:buNone/>
-              <a:defRPr sz="1680" b="1"/>
+              <a:defRPr sz="1428" b="1"/>
             </a:lvl9pPr>
           </a:lstStyle>
           <a:p>
@@ -1424,8 +1424,8 @@
         </p:nvSpPr>
         <p:spPr>
           <a:xfrm>
-            <a:off x="1239891" y="2629749"/>
-            <a:ext cx="7615123" cy="3867965"/>
+            <a:off x="1190247" y="2235432"/>
+            <a:ext cx="7310223" cy="3287983"/>
           </a:xfrm>
         </p:spPr>
         <p:txBody>
@@ -1481,8 +1481,8 @@
         </p:nvSpPr>
         <p:spPr>
           <a:xfrm>
-            <a:off x="9112836" y="1764832"/>
-            <a:ext cx="7652626" cy="864917"/>
+            <a:off x="8747969" y="1500205"/>
+            <a:ext cx="7346224" cy="735227"/>
           </a:xfrm>
         </p:spPr>
         <p:txBody>
@@ -1490,39 +1490,39 @@
           <a:lstStyle>
             <a:lvl1pPr marL="0" indent="0">
               <a:buNone/>
-              <a:defRPr sz="2520" b="1"/>
+              <a:defRPr sz="2142" b="1"/>
             </a:lvl1pPr>
-            <a:lvl2pPr marL="479969" indent="0">
+            <a:lvl2pPr marL="408005" indent="0">
               <a:buNone/>
-              <a:defRPr sz="2100" b="1"/>
+              <a:defRPr sz="1785" b="1"/>
             </a:lvl2pPr>
-            <a:lvl3pPr marL="959937" indent="0">
+            <a:lvl3pPr marL="816011" indent="0">
               <a:buNone/>
-              <a:defRPr sz="1890" b="1"/>
+              <a:defRPr sz="1606" b="1"/>
             </a:lvl3pPr>
-            <a:lvl4pPr marL="1439906" indent="0">
+            <a:lvl4pPr marL="1224016" indent="0">
               <a:buNone/>
-              <a:defRPr sz="1680" b="1"/>
+              <a:defRPr sz="1428" b="1"/>
             </a:lvl4pPr>
-            <a:lvl5pPr marL="1919874" indent="0">
+            <a:lvl5pPr marL="1632021" indent="0">
               <a:buNone/>
-              <a:defRPr sz="1680" b="1"/>
+              <a:defRPr sz="1428" b="1"/>
             </a:lvl5pPr>
-            <a:lvl6pPr marL="2399843" indent="0">
+            <a:lvl6pPr marL="2040026" indent="0">
               <a:buNone/>
-              <a:defRPr sz="1680" b="1"/>
+              <a:defRPr sz="1428" b="1"/>
             </a:lvl6pPr>
-            <a:lvl7pPr marL="2879811" indent="0">
+            <a:lvl7pPr marL="2448032" indent="0">
               <a:buNone/>
-              <a:defRPr sz="1680" b="1"/>
+              <a:defRPr sz="1428" b="1"/>
             </a:lvl7pPr>
-            <a:lvl8pPr marL="3359780" indent="0">
+            <a:lvl8pPr marL="2856037" indent="0">
               <a:buNone/>
-              <a:defRPr sz="1680" b="1"/>
+              <a:defRPr sz="1428" b="1"/>
             </a:lvl8pPr>
-            <a:lvl9pPr marL="3839748" indent="0">
+            <a:lvl9pPr marL="3264042" indent="0">
               <a:buNone/>
-              <a:defRPr sz="1680" b="1"/>
+              <a:defRPr sz="1428" b="1"/>
             </a:lvl9pPr>
           </a:lstStyle>
           <a:p>
@@ -1546,8 +1546,8 @@
         </p:nvSpPr>
         <p:spPr>
           <a:xfrm>
-            <a:off x="9112836" y="2629749"/>
-            <a:ext cx="7652626" cy="3867965"/>
+            <a:off x="8747969" y="2235432"/>
+            <a:ext cx="7346224" cy="3287983"/>
           </a:xfrm>
         </p:spPr>
         <p:txBody>
@@ -1608,7 +1608,7 @@
           <a:p>
             <a:fld id="{43154C27-DF14-C749-8275-2CAAA9F43E1D}" type="datetimeFigureOut">
               <a:rPr kumimoji="1" lang="zh-CN" altLang="en-US" smtClean="0"/>
-              <a:t>2022/9/13</a:t>
+              <a:t>2022/10/15</a:t>
             </a:fld>
             <a:endParaRPr kumimoji="1" lang="zh-CN" altLang="en-US"/>
           </a:p>
@@ -1659,7 +1659,7 @@
     </p:spTree>
     <p:extLst>
       <p:ext uri="{BB962C8B-B14F-4D97-AF65-F5344CB8AC3E}">
-        <p14:creationId xmlns:p14="http://schemas.microsoft.com/office/powerpoint/2010/main" val="2102737320"/>
+        <p14:creationId xmlns:p14="http://schemas.microsoft.com/office/powerpoint/2010/main" val="3681475554"/>
       </p:ext>
     </p:extLst>
   </p:cSld>
@@ -1726,7 +1726,7 @@
           <a:p>
             <a:fld id="{43154C27-DF14-C749-8275-2CAAA9F43E1D}" type="datetimeFigureOut">
               <a:rPr kumimoji="1" lang="zh-CN" altLang="en-US" smtClean="0"/>
-              <a:t>2022/9/13</a:t>
+              <a:t>2022/10/15</a:t>
             </a:fld>
             <a:endParaRPr kumimoji="1" lang="zh-CN" altLang="en-US"/>
           </a:p>
@@ -1777,7 +1777,7 @@
     </p:spTree>
     <p:extLst>
       <p:ext uri="{BB962C8B-B14F-4D97-AF65-F5344CB8AC3E}">
-        <p14:creationId xmlns:p14="http://schemas.microsoft.com/office/powerpoint/2010/main" val="1969021016"/>
+        <p14:creationId xmlns:p14="http://schemas.microsoft.com/office/powerpoint/2010/main" val="1394466082"/>
       </p:ext>
     </p:extLst>
   </p:cSld>
@@ -1821,7 +1821,7 @@
           <a:p>
             <a:fld id="{43154C27-DF14-C749-8275-2CAAA9F43E1D}" type="datetimeFigureOut">
               <a:rPr kumimoji="1" lang="zh-CN" altLang="en-US" smtClean="0"/>
-              <a:t>2022/9/13</a:t>
+              <a:t>2022/10/15</a:t>
             </a:fld>
             <a:endParaRPr kumimoji="1" lang="zh-CN" altLang="en-US"/>
           </a:p>
@@ -1872,7 +1872,7 @@
     </p:spTree>
     <p:extLst>
       <p:ext uri="{BB962C8B-B14F-4D97-AF65-F5344CB8AC3E}">
-        <p14:creationId xmlns:p14="http://schemas.microsoft.com/office/powerpoint/2010/main" val="2007782362"/>
+        <p14:creationId xmlns:p14="http://schemas.microsoft.com/office/powerpoint/2010/main" val="2715779787"/>
       </p:ext>
     </p:extLst>
   </p:cSld>
@@ -1911,15 +1911,15 @@
         </p:nvSpPr>
         <p:spPr>
           <a:xfrm>
-            <a:off x="1239891" y="479954"/>
-            <a:ext cx="5805682" cy="1679840"/>
+            <a:off x="1190247" y="407988"/>
+            <a:ext cx="5573229" cy="1427956"/>
           </a:xfrm>
         </p:spPr>
         <p:txBody>
           <a:bodyPr anchor="b"/>
           <a:lstStyle>
             <a:lvl1pPr>
-              <a:defRPr sz="3359"/>
+              <a:defRPr sz="2856"/>
             </a:lvl1pPr>
           </a:lstStyle>
           <a:p>
@@ -1943,39 +1943,39 @@
         </p:nvSpPr>
         <p:spPr>
           <a:xfrm>
-            <a:off x="7652626" y="1036569"/>
-            <a:ext cx="9112836" cy="5116178"/>
+            <a:off x="7346224" y="881140"/>
+            <a:ext cx="8747969" cy="4349034"/>
           </a:xfrm>
         </p:spPr>
         <p:txBody>
           <a:bodyPr/>
           <a:lstStyle>
             <a:lvl1pPr>
-              <a:defRPr sz="3359"/>
+              <a:defRPr sz="2856"/>
             </a:lvl1pPr>
             <a:lvl2pPr>
-              <a:defRPr sz="2939"/>
+              <a:defRPr sz="2499"/>
             </a:lvl2pPr>
             <a:lvl3pPr>
-              <a:defRPr sz="2520"/>
+              <a:defRPr sz="2142"/>
             </a:lvl3pPr>
             <a:lvl4pPr>
-              <a:defRPr sz="2100"/>
+              <a:defRPr sz="1785"/>
             </a:lvl4pPr>
             <a:lvl5pPr>
-              <a:defRPr sz="2100"/>
+              <a:defRPr sz="1785"/>
             </a:lvl5pPr>
             <a:lvl6pPr>
-              <a:defRPr sz="2100"/>
+              <a:defRPr sz="1785"/>
             </a:lvl6pPr>
             <a:lvl7pPr>
-              <a:defRPr sz="2100"/>
+              <a:defRPr sz="1785"/>
             </a:lvl7pPr>
             <a:lvl8pPr>
-              <a:defRPr sz="2100"/>
+              <a:defRPr sz="1785"/>
             </a:lvl8pPr>
             <a:lvl9pPr>
-              <a:defRPr sz="2100"/>
+              <a:defRPr sz="1785"/>
             </a:lvl9pPr>
           </a:lstStyle>
           <a:p>
@@ -2028,8 +2028,8 @@
         </p:nvSpPr>
         <p:spPr>
           <a:xfrm>
-            <a:off x="1239891" y="2159794"/>
-            <a:ext cx="5805682" cy="4001285"/>
+            <a:off x="1190247" y="1835944"/>
+            <a:ext cx="5573229" cy="3401313"/>
           </a:xfrm>
         </p:spPr>
         <p:txBody>
@@ -2037,39 +2037,39 @@
           <a:lstStyle>
             <a:lvl1pPr marL="0" indent="0">
               <a:buNone/>
-              <a:defRPr sz="1680"/>
+              <a:defRPr sz="1428"/>
             </a:lvl1pPr>
-            <a:lvl2pPr marL="479969" indent="0">
+            <a:lvl2pPr marL="408005" indent="0">
               <a:buNone/>
-              <a:defRPr sz="1470"/>
+              <a:defRPr sz="1249"/>
             </a:lvl2pPr>
-            <a:lvl3pPr marL="959937" indent="0">
+            <a:lvl3pPr marL="816011" indent="0">
               <a:buNone/>
-              <a:defRPr sz="1260"/>
+              <a:defRPr sz="1071"/>
             </a:lvl3pPr>
-            <a:lvl4pPr marL="1439906" indent="0">
+            <a:lvl4pPr marL="1224016" indent="0">
               <a:buNone/>
-              <a:defRPr sz="1050"/>
+              <a:defRPr sz="892"/>
             </a:lvl4pPr>
-            <a:lvl5pPr marL="1919874" indent="0">
+            <a:lvl5pPr marL="1632021" indent="0">
               <a:buNone/>
-              <a:defRPr sz="1050"/>
+              <a:defRPr sz="892"/>
             </a:lvl5pPr>
-            <a:lvl6pPr marL="2399843" indent="0">
+            <a:lvl6pPr marL="2040026" indent="0">
               <a:buNone/>
-              <a:defRPr sz="1050"/>
+              <a:defRPr sz="892"/>
             </a:lvl6pPr>
-            <a:lvl7pPr marL="2879811" indent="0">
+            <a:lvl7pPr marL="2448032" indent="0">
               <a:buNone/>
-              <a:defRPr sz="1050"/>
+              <a:defRPr sz="892"/>
             </a:lvl7pPr>
-            <a:lvl8pPr marL="3359780" indent="0">
+            <a:lvl8pPr marL="2856037" indent="0">
               <a:buNone/>
-              <a:defRPr sz="1050"/>
+              <a:defRPr sz="892"/>
             </a:lvl8pPr>
-            <a:lvl9pPr marL="3839748" indent="0">
+            <a:lvl9pPr marL="3264042" indent="0">
               <a:buNone/>
-              <a:defRPr sz="1050"/>
+              <a:defRPr sz="892"/>
             </a:lvl9pPr>
           </a:lstStyle>
           <a:p>
@@ -2098,7 +2098,7 @@
           <a:p>
             <a:fld id="{43154C27-DF14-C749-8275-2CAAA9F43E1D}" type="datetimeFigureOut">
               <a:rPr kumimoji="1" lang="zh-CN" altLang="en-US" smtClean="0"/>
-              <a:t>2022/9/13</a:t>
+              <a:t>2022/10/15</a:t>
             </a:fld>
             <a:endParaRPr kumimoji="1" lang="zh-CN" altLang="en-US"/>
           </a:p>
@@ -2149,7 +2149,7 @@
     </p:spTree>
     <p:extLst>
       <p:ext uri="{BB962C8B-B14F-4D97-AF65-F5344CB8AC3E}">
-        <p14:creationId xmlns:p14="http://schemas.microsoft.com/office/powerpoint/2010/main" val="2229418533"/>
+        <p14:creationId xmlns:p14="http://schemas.microsoft.com/office/powerpoint/2010/main" val="3890821044"/>
       </p:ext>
     </p:extLst>
   </p:cSld>
@@ -2188,15 +2188,15 @@
         </p:nvSpPr>
         <p:spPr>
           <a:xfrm>
-            <a:off x="1239891" y="479954"/>
-            <a:ext cx="5805682" cy="1679840"/>
+            <a:off x="1190247" y="407988"/>
+            <a:ext cx="5573229" cy="1427956"/>
           </a:xfrm>
         </p:spPr>
         <p:txBody>
           <a:bodyPr anchor="b"/>
           <a:lstStyle>
             <a:lvl1pPr>
-              <a:defRPr sz="3359"/>
+              <a:defRPr sz="2856"/>
             </a:lvl1pPr>
           </a:lstStyle>
           <a:p>
@@ -2220,8 +2220,8 @@
         </p:nvSpPr>
         <p:spPr>
           <a:xfrm>
-            <a:off x="7652626" y="1036569"/>
-            <a:ext cx="9112836" cy="5116178"/>
+            <a:off x="7346224" y="881140"/>
+            <a:ext cx="8747969" cy="4349034"/>
           </a:xfrm>
         </p:spPr>
         <p:txBody>
@@ -2229,39 +2229,39 @@
           <a:lstStyle>
             <a:lvl1pPr marL="0" indent="0">
               <a:buNone/>
-              <a:defRPr sz="3359"/>
+              <a:defRPr sz="2856"/>
             </a:lvl1pPr>
-            <a:lvl2pPr marL="479969" indent="0">
+            <a:lvl2pPr marL="408005" indent="0">
               <a:buNone/>
-              <a:defRPr sz="2939"/>
+              <a:defRPr sz="2499"/>
             </a:lvl2pPr>
-            <a:lvl3pPr marL="959937" indent="0">
+            <a:lvl3pPr marL="816011" indent="0">
               <a:buNone/>
-              <a:defRPr sz="2520"/>
+              <a:defRPr sz="2142"/>
             </a:lvl3pPr>
-            <a:lvl4pPr marL="1439906" indent="0">
+            <a:lvl4pPr marL="1224016" indent="0">
               <a:buNone/>
-              <a:defRPr sz="2100"/>
+              <a:defRPr sz="1785"/>
             </a:lvl4pPr>
-            <a:lvl5pPr marL="1919874" indent="0">
+            <a:lvl5pPr marL="1632021" indent="0">
               <a:buNone/>
-              <a:defRPr sz="2100"/>
+              <a:defRPr sz="1785"/>
             </a:lvl5pPr>
-            <a:lvl6pPr marL="2399843" indent="0">
+            <a:lvl6pPr marL="2040026" indent="0">
               <a:buNone/>
-              <a:defRPr sz="2100"/>
+              <a:defRPr sz="1785"/>
             </a:lvl6pPr>
-            <a:lvl7pPr marL="2879811" indent="0">
+            <a:lvl7pPr marL="2448032" indent="0">
               <a:buNone/>
-              <a:defRPr sz="2100"/>
+              <a:defRPr sz="1785"/>
             </a:lvl7pPr>
-            <a:lvl8pPr marL="3359780" indent="0">
+            <a:lvl8pPr marL="2856037" indent="0">
               <a:buNone/>
-              <a:defRPr sz="2100"/>
+              <a:defRPr sz="1785"/>
             </a:lvl8pPr>
-            <a:lvl9pPr marL="3839748" indent="0">
+            <a:lvl9pPr marL="3264042" indent="0">
               <a:buNone/>
-              <a:defRPr sz="2100"/>
+              <a:defRPr sz="1785"/>
             </a:lvl9pPr>
           </a:lstStyle>
           <a:p>
@@ -2285,8 +2285,8 @@
         </p:nvSpPr>
         <p:spPr>
           <a:xfrm>
-            <a:off x="1239891" y="2159794"/>
-            <a:ext cx="5805682" cy="4001285"/>
+            <a:off x="1190247" y="1835944"/>
+            <a:ext cx="5573229" cy="3401313"/>
           </a:xfrm>
         </p:spPr>
         <p:txBody>
@@ -2294,39 +2294,39 @@
           <a:lstStyle>
             <a:lvl1pPr marL="0" indent="0">
               <a:buNone/>
-              <a:defRPr sz="1680"/>
+              <a:defRPr sz="1428"/>
             </a:lvl1pPr>
-            <a:lvl2pPr marL="479969" indent="0">
+            <a:lvl2pPr marL="408005" indent="0">
               <a:buNone/>
-              <a:defRPr sz="1470"/>
+              <a:defRPr sz="1249"/>
             </a:lvl2pPr>
-            <a:lvl3pPr marL="959937" indent="0">
+            <a:lvl3pPr marL="816011" indent="0">
               <a:buNone/>
-              <a:defRPr sz="1260"/>
+              <a:defRPr sz="1071"/>
             </a:lvl3pPr>
-            <a:lvl4pPr marL="1439906" indent="0">
+            <a:lvl4pPr marL="1224016" indent="0">
               <a:buNone/>
-              <a:defRPr sz="1050"/>
+              <a:defRPr sz="892"/>
             </a:lvl4pPr>
-            <a:lvl5pPr marL="1919874" indent="0">
+            <a:lvl5pPr marL="1632021" indent="0">
               <a:buNone/>
-              <a:defRPr sz="1050"/>
+              <a:defRPr sz="892"/>
             </a:lvl5pPr>
-            <a:lvl6pPr marL="2399843" indent="0">
+            <a:lvl6pPr marL="2040026" indent="0">
               <a:buNone/>
-              <a:defRPr sz="1050"/>
+              <a:defRPr sz="892"/>
             </a:lvl6pPr>
-            <a:lvl7pPr marL="2879811" indent="0">
+            <a:lvl7pPr marL="2448032" indent="0">
               <a:buNone/>
-              <a:defRPr sz="1050"/>
+              <a:defRPr sz="892"/>
             </a:lvl7pPr>
-            <a:lvl8pPr marL="3359780" indent="0">
+            <a:lvl8pPr marL="2856037" indent="0">
               <a:buNone/>
-              <a:defRPr sz="1050"/>
+              <a:defRPr sz="892"/>
             </a:lvl8pPr>
-            <a:lvl9pPr marL="3839748" indent="0">
+            <a:lvl9pPr marL="3264042" indent="0">
               <a:buNone/>
-              <a:defRPr sz="1050"/>
+              <a:defRPr sz="892"/>
             </a:lvl9pPr>
           </a:lstStyle>
           <a:p>
@@ -2355,7 +2355,7 @@
           <a:p>
             <a:fld id="{43154C27-DF14-C749-8275-2CAAA9F43E1D}" type="datetimeFigureOut">
               <a:rPr kumimoji="1" lang="zh-CN" altLang="en-US" smtClean="0"/>
-              <a:t>2022/9/13</a:t>
+              <a:t>2022/10/15</a:t>
             </a:fld>
             <a:endParaRPr kumimoji="1" lang="zh-CN" altLang="en-US"/>
           </a:p>
@@ -2406,7 +2406,7 @@
     </p:spTree>
     <p:extLst>
       <p:ext uri="{BB962C8B-B14F-4D97-AF65-F5344CB8AC3E}">
-        <p14:creationId xmlns:p14="http://schemas.microsoft.com/office/powerpoint/2010/main" val="3038686747"/>
+        <p14:creationId xmlns:p14="http://schemas.microsoft.com/office/powerpoint/2010/main" val="3879967534"/>
       </p:ext>
     </p:extLst>
   </p:cSld>
@@ -2450,8 +2450,8 @@
         </p:nvSpPr>
         <p:spPr>
           <a:xfrm>
-            <a:off x="1237546" y="383297"/>
-            <a:ext cx="15525572" cy="1391534"/>
+            <a:off x="1187996" y="325824"/>
+            <a:ext cx="14903947" cy="1182881"/>
           </a:xfrm>
           <a:prstGeom prst="rect">
             <a:avLst/>
@@ -2483,8 +2483,8 @@
         </p:nvSpPr>
         <p:spPr>
           <a:xfrm>
-            <a:off x="1237546" y="1916484"/>
-            <a:ext cx="15525572" cy="4567898"/>
+            <a:off x="1187996" y="1629117"/>
+            <a:ext cx="14903947" cy="3882965"/>
           </a:xfrm>
           <a:prstGeom prst="rect">
             <a:avLst/>
@@ -2545,8 +2545,8 @@
         </p:nvSpPr>
         <p:spPr>
           <a:xfrm>
-            <a:off x="1237546" y="6672697"/>
-            <a:ext cx="4050149" cy="383297"/>
+            <a:off x="1187996" y="5672161"/>
+            <a:ext cx="3887986" cy="325823"/>
           </a:xfrm>
           <a:prstGeom prst="rect">
             <a:avLst/>
@@ -2556,7 +2556,7 @@
           <a:bodyPr vert="horz" lIns="91440" tIns="45720" rIns="91440" bIns="45720" rtlCol="0" anchor="ctr"/>
           <a:lstStyle>
             <a:lvl1pPr algn="l">
-              <a:defRPr sz="1260">
+              <a:defRPr sz="1071">
                 <a:solidFill>
                   <a:schemeClr val="tx1">
                     <a:tint val="75000"/>
@@ -2568,7 +2568,7 @@
           <a:p>
             <a:fld id="{43154C27-DF14-C749-8275-2CAAA9F43E1D}" type="datetimeFigureOut">
               <a:rPr kumimoji="1" lang="zh-CN" altLang="en-US" smtClean="0"/>
-              <a:t>2022/9/13</a:t>
+              <a:t>2022/10/15</a:t>
             </a:fld>
             <a:endParaRPr kumimoji="1" lang="zh-CN" altLang="en-US"/>
           </a:p>
@@ -2586,8 +2586,8 @@
         </p:nvSpPr>
         <p:spPr>
           <a:xfrm>
-            <a:off x="5962720" y="6672697"/>
-            <a:ext cx="6075224" cy="383297"/>
+            <a:off x="5723980" y="5672161"/>
+            <a:ext cx="5831979" cy="325823"/>
           </a:xfrm>
           <a:prstGeom prst="rect">
             <a:avLst/>
@@ -2597,7 +2597,7 @@
           <a:bodyPr vert="horz" lIns="91440" tIns="45720" rIns="91440" bIns="45720" rtlCol="0" anchor="ctr"/>
           <a:lstStyle>
             <a:lvl1pPr algn="ctr">
-              <a:defRPr sz="1260">
+              <a:defRPr sz="1071">
                 <a:solidFill>
                   <a:schemeClr val="tx1">
                     <a:tint val="75000"/>
@@ -2623,8 +2623,8 @@
         </p:nvSpPr>
         <p:spPr>
           <a:xfrm>
-            <a:off x="12712968" y="6672697"/>
-            <a:ext cx="4050149" cy="383297"/>
+            <a:off x="12203956" y="5672161"/>
+            <a:ext cx="3887986" cy="325823"/>
           </a:xfrm>
           <a:prstGeom prst="rect">
             <a:avLst/>
@@ -2634,7 +2634,7 @@
           <a:bodyPr vert="horz" lIns="91440" tIns="45720" rIns="91440" bIns="45720" rtlCol="0" anchor="ctr"/>
           <a:lstStyle>
             <a:lvl1pPr algn="r">
-              <a:defRPr sz="1260">
+              <a:defRPr sz="1071">
                 <a:solidFill>
                   <a:schemeClr val="tx1">
                     <a:tint val="75000"/>
@@ -2655,27 +2655,27 @@
     </p:spTree>
     <p:extLst>
       <p:ext uri="{BB962C8B-B14F-4D97-AF65-F5344CB8AC3E}">
-        <p14:creationId xmlns:p14="http://schemas.microsoft.com/office/powerpoint/2010/main" val="1015335686"/>
+        <p14:creationId xmlns:p14="http://schemas.microsoft.com/office/powerpoint/2010/main" val="87200698"/>
       </p:ext>
     </p:extLst>
   </p:cSld>
   <p:clrMap bg1="lt1" tx1="dk1" bg2="lt2" tx2="dk2" accent1="accent1" accent2="accent2" accent3="accent3" accent4="accent4" accent5="accent5" accent6="accent6" hlink="hlink" folHlink="folHlink"/>
   <p:sldLayoutIdLst>
-    <p:sldLayoutId id="2147483697" r:id="rId1"/>
-    <p:sldLayoutId id="2147483698" r:id="rId2"/>
-    <p:sldLayoutId id="2147483699" r:id="rId3"/>
-    <p:sldLayoutId id="2147483700" r:id="rId4"/>
-    <p:sldLayoutId id="2147483701" r:id="rId5"/>
-    <p:sldLayoutId id="2147483702" r:id="rId6"/>
-    <p:sldLayoutId id="2147483703" r:id="rId7"/>
-    <p:sldLayoutId id="2147483704" r:id="rId8"/>
-    <p:sldLayoutId id="2147483705" r:id="rId9"/>
-    <p:sldLayoutId id="2147483706" r:id="rId10"/>
-    <p:sldLayoutId id="2147483707" r:id="rId11"/>
+    <p:sldLayoutId id="2147483733" r:id="rId1"/>
+    <p:sldLayoutId id="2147483734" r:id="rId2"/>
+    <p:sldLayoutId id="2147483735" r:id="rId3"/>
+    <p:sldLayoutId id="2147483736" r:id="rId4"/>
+    <p:sldLayoutId id="2147483737" r:id="rId5"/>
+    <p:sldLayoutId id="2147483738" r:id="rId6"/>
+    <p:sldLayoutId id="2147483739" r:id="rId7"/>
+    <p:sldLayoutId id="2147483740" r:id="rId8"/>
+    <p:sldLayoutId id="2147483741" r:id="rId9"/>
+    <p:sldLayoutId id="2147483742" r:id="rId10"/>
+    <p:sldLayoutId id="2147483743" r:id="rId11"/>
   </p:sldLayoutIdLst>
   <p:txStyles>
     <p:titleStyle>
-      <a:lvl1pPr algn="l" defTabSz="959937" rtl="0" eaLnBrk="1" latinLnBrk="0" hangingPunct="1">
+      <a:lvl1pPr algn="l" defTabSz="816011" rtl="0" eaLnBrk="1" latinLnBrk="0" hangingPunct="1">
         <a:lnSpc>
           <a:spcPct val="90000"/>
         </a:lnSpc>
@@ -2683,7 +2683,7 @@
           <a:spcPct val="0"/>
         </a:spcBef>
         <a:buNone/>
-        <a:defRPr sz="4619" kern="1200">
+        <a:defRPr sz="3927" kern="1200">
           <a:solidFill>
             <a:schemeClr val="tx1"/>
           </a:solidFill>
@@ -2694,16 +2694,16 @@
       </a:lvl1pPr>
     </p:titleStyle>
     <p:bodyStyle>
-      <a:lvl1pPr marL="239984" indent="-239984" algn="l" defTabSz="959937" rtl="0" eaLnBrk="1" latinLnBrk="0" hangingPunct="1">
+      <a:lvl1pPr marL="204003" indent="-204003" algn="l" defTabSz="816011" rtl="0" eaLnBrk="1" latinLnBrk="0" hangingPunct="1">
         <a:lnSpc>
           <a:spcPct val="90000"/>
         </a:lnSpc>
         <a:spcBef>
-          <a:spcPts val="1050"/>
+          <a:spcPts val="892"/>
         </a:spcBef>
         <a:buFont typeface="Arial" panose="020B0604020202020204" pitchFamily="34" charset="0"/>
         <a:buChar char="•"/>
-        <a:defRPr sz="2939" kern="1200">
+        <a:defRPr sz="2499" kern="1200">
           <a:solidFill>
             <a:schemeClr val="tx1"/>
           </a:solidFill>
@@ -2712,16 +2712,16 @@
           <a:cs typeface="+mn-cs"/>
         </a:defRPr>
       </a:lvl1pPr>
-      <a:lvl2pPr marL="719953" indent="-239984" algn="l" defTabSz="959937" rtl="0" eaLnBrk="1" latinLnBrk="0" hangingPunct="1">
+      <a:lvl2pPr marL="612008" indent="-204003" algn="l" defTabSz="816011" rtl="0" eaLnBrk="1" latinLnBrk="0" hangingPunct="1">
         <a:lnSpc>
           <a:spcPct val="90000"/>
         </a:lnSpc>
         <a:spcBef>
-          <a:spcPts val="525"/>
+          <a:spcPts val="446"/>
         </a:spcBef>
         <a:buFont typeface="Arial" panose="020B0604020202020204" pitchFamily="34" charset="0"/>
         <a:buChar char="•"/>
-        <a:defRPr sz="2520" kern="1200">
+        <a:defRPr sz="2142" kern="1200">
           <a:solidFill>
             <a:schemeClr val="tx1"/>
           </a:solidFill>
@@ -2730,16 +2730,16 @@
           <a:cs typeface="+mn-cs"/>
         </a:defRPr>
       </a:lvl2pPr>
-      <a:lvl3pPr marL="1199921" indent="-239984" algn="l" defTabSz="959937" rtl="0" eaLnBrk="1" latinLnBrk="0" hangingPunct="1">
+      <a:lvl3pPr marL="1020013" indent="-204003" algn="l" defTabSz="816011" rtl="0" eaLnBrk="1" latinLnBrk="0" hangingPunct="1">
         <a:lnSpc>
           <a:spcPct val="90000"/>
         </a:lnSpc>
         <a:spcBef>
-          <a:spcPts val="525"/>
+          <a:spcPts val="446"/>
         </a:spcBef>
         <a:buFont typeface="Arial" panose="020B0604020202020204" pitchFamily="34" charset="0"/>
         <a:buChar char="•"/>
-        <a:defRPr sz="2100" kern="1200">
+        <a:defRPr sz="1785" kern="1200">
           <a:solidFill>
             <a:schemeClr val="tx1"/>
           </a:solidFill>
@@ -2748,16 +2748,16 @@
           <a:cs typeface="+mn-cs"/>
         </a:defRPr>
       </a:lvl3pPr>
-      <a:lvl4pPr marL="1679890" indent="-239984" algn="l" defTabSz="959937" rtl="0" eaLnBrk="1" latinLnBrk="0" hangingPunct="1">
+      <a:lvl4pPr marL="1428018" indent="-204003" algn="l" defTabSz="816011" rtl="0" eaLnBrk="1" latinLnBrk="0" hangingPunct="1">
         <a:lnSpc>
           <a:spcPct val="90000"/>
         </a:lnSpc>
         <a:spcBef>
-          <a:spcPts val="525"/>
+          <a:spcPts val="446"/>
         </a:spcBef>
         <a:buFont typeface="Arial" panose="020B0604020202020204" pitchFamily="34" charset="0"/>
         <a:buChar char="•"/>
-        <a:defRPr sz="1890" kern="1200">
+        <a:defRPr sz="1606" kern="1200">
           <a:solidFill>
             <a:schemeClr val="tx1"/>
           </a:solidFill>
@@ -2766,16 +2766,16 @@
           <a:cs typeface="+mn-cs"/>
         </a:defRPr>
       </a:lvl4pPr>
-      <a:lvl5pPr marL="2159859" indent="-239984" algn="l" defTabSz="959937" rtl="0" eaLnBrk="1" latinLnBrk="0" hangingPunct="1">
+      <a:lvl5pPr marL="1836024" indent="-204003" algn="l" defTabSz="816011" rtl="0" eaLnBrk="1" latinLnBrk="0" hangingPunct="1">
         <a:lnSpc>
           <a:spcPct val="90000"/>
         </a:lnSpc>
         <a:spcBef>
-          <a:spcPts val="525"/>
+          <a:spcPts val="446"/>
         </a:spcBef>
         <a:buFont typeface="Arial" panose="020B0604020202020204" pitchFamily="34" charset="0"/>
         <a:buChar char="•"/>
-        <a:defRPr sz="1890" kern="1200">
+        <a:defRPr sz="1606" kern="1200">
           <a:solidFill>
             <a:schemeClr val="tx1"/>
           </a:solidFill>
@@ -2784,16 +2784,16 @@
           <a:cs typeface="+mn-cs"/>
         </a:defRPr>
       </a:lvl5pPr>
-      <a:lvl6pPr marL="2639827" indent="-239984" algn="l" defTabSz="959937" rtl="0" eaLnBrk="1" latinLnBrk="0" hangingPunct="1">
+      <a:lvl6pPr marL="2244029" indent="-204003" algn="l" defTabSz="816011" rtl="0" eaLnBrk="1" latinLnBrk="0" hangingPunct="1">
         <a:lnSpc>
           <a:spcPct val="90000"/>
         </a:lnSpc>
         <a:spcBef>
-          <a:spcPts val="525"/>
+          <a:spcPts val="446"/>
         </a:spcBef>
         <a:buFont typeface="Arial" panose="020B0604020202020204" pitchFamily="34" charset="0"/>
         <a:buChar char="•"/>
-        <a:defRPr sz="1890" kern="1200">
+        <a:defRPr sz="1606" kern="1200">
           <a:solidFill>
             <a:schemeClr val="tx1"/>
           </a:solidFill>
@@ -2802,16 +2802,16 @@
           <a:cs typeface="+mn-cs"/>
         </a:defRPr>
       </a:lvl6pPr>
-      <a:lvl7pPr marL="3119796" indent="-239984" algn="l" defTabSz="959937" rtl="0" eaLnBrk="1" latinLnBrk="0" hangingPunct="1">
+      <a:lvl7pPr marL="2652034" indent="-204003" algn="l" defTabSz="816011" rtl="0" eaLnBrk="1" latinLnBrk="0" hangingPunct="1">
         <a:lnSpc>
           <a:spcPct val="90000"/>
         </a:lnSpc>
         <a:spcBef>
-          <a:spcPts val="525"/>
+          <a:spcPts val="446"/>
         </a:spcBef>
         <a:buFont typeface="Arial" panose="020B0604020202020204" pitchFamily="34" charset="0"/>
         <a:buChar char="•"/>
-        <a:defRPr sz="1890" kern="1200">
+        <a:defRPr sz="1606" kern="1200">
           <a:solidFill>
             <a:schemeClr val="tx1"/>
           </a:solidFill>
@@ -2820,16 +2820,16 @@
           <a:cs typeface="+mn-cs"/>
         </a:defRPr>
       </a:lvl7pPr>
-      <a:lvl8pPr marL="3599764" indent="-239984" algn="l" defTabSz="959937" rtl="0" eaLnBrk="1" latinLnBrk="0" hangingPunct="1">
+      <a:lvl8pPr marL="3060040" indent="-204003" algn="l" defTabSz="816011" rtl="0" eaLnBrk="1" latinLnBrk="0" hangingPunct="1">
         <a:lnSpc>
           <a:spcPct val="90000"/>
         </a:lnSpc>
         <a:spcBef>
-          <a:spcPts val="525"/>
+          <a:spcPts val="446"/>
         </a:spcBef>
         <a:buFont typeface="Arial" panose="020B0604020202020204" pitchFamily="34" charset="0"/>
         <a:buChar char="•"/>
-        <a:defRPr sz="1890" kern="1200">
+        <a:defRPr sz="1606" kern="1200">
           <a:solidFill>
             <a:schemeClr val="tx1"/>
           </a:solidFill>
@@ -2838,16 +2838,16 @@
           <a:cs typeface="+mn-cs"/>
         </a:defRPr>
       </a:lvl8pPr>
-      <a:lvl9pPr marL="4079733" indent="-239984" algn="l" defTabSz="959937" rtl="0" eaLnBrk="1" latinLnBrk="0" hangingPunct="1">
+      <a:lvl9pPr marL="3468045" indent="-204003" algn="l" defTabSz="816011" rtl="0" eaLnBrk="1" latinLnBrk="0" hangingPunct="1">
         <a:lnSpc>
           <a:spcPct val="90000"/>
         </a:lnSpc>
         <a:spcBef>
-          <a:spcPts val="525"/>
+          <a:spcPts val="446"/>
         </a:spcBef>
         <a:buFont typeface="Arial" panose="020B0604020202020204" pitchFamily="34" charset="0"/>
         <a:buChar char="•"/>
-        <a:defRPr sz="1890" kern="1200">
+        <a:defRPr sz="1606" kern="1200">
           <a:solidFill>
             <a:schemeClr val="tx1"/>
           </a:solidFill>
@@ -2861,8 +2861,8 @@
       <a:defPPr>
         <a:defRPr lang="en-US"/>
       </a:defPPr>
-      <a:lvl1pPr marL="0" algn="l" defTabSz="959937" rtl="0" eaLnBrk="1" latinLnBrk="0" hangingPunct="1">
-        <a:defRPr sz="1890" kern="1200">
+      <a:lvl1pPr marL="0" algn="l" defTabSz="816011" rtl="0" eaLnBrk="1" latinLnBrk="0" hangingPunct="1">
+        <a:defRPr sz="1606" kern="1200">
           <a:solidFill>
             <a:schemeClr val="tx1"/>
           </a:solidFill>
@@ -2871,8 +2871,8 @@
           <a:cs typeface="+mn-cs"/>
         </a:defRPr>
       </a:lvl1pPr>
-      <a:lvl2pPr marL="479969" algn="l" defTabSz="959937" rtl="0" eaLnBrk="1" latinLnBrk="0" hangingPunct="1">
-        <a:defRPr sz="1890" kern="1200">
+      <a:lvl2pPr marL="408005" algn="l" defTabSz="816011" rtl="0" eaLnBrk="1" latinLnBrk="0" hangingPunct="1">
+        <a:defRPr sz="1606" kern="1200">
           <a:solidFill>
             <a:schemeClr val="tx1"/>
           </a:solidFill>
@@ -2881,8 +2881,8 @@
           <a:cs typeface="+mn-cs"/>
         </a:defRPr>
       </a:lvl2pPr>
-      <a:lvl3pPr marL="959937" algn="l" defTabSz="959937" rtl="0" eaLnBrk="1" latinLnBrk="0" hangingPunct="1">
-        <a:defRPr sz="1890" kern="1200">
+      <a:lvl3pPr marL="816011" algn="l" defTabSz="816011" rtl="0" eaLnBrk="1" latinLnBrk="0" hangingPunct="1">
+        <a:defRPr sz="1606" kern="1200">
           <a:solidFill>
             <a:schemeClr val="tx1"/>
           </a:solidFill>
@@ -2891,8 +2891,8 @@
           <a:cs typeface="+mn-cs"/>
         </a:defRPr>
       </a:lvl3pPr>
-      <a:lvl4pPr marL="1439906" algn="l" defTabSz="959937" rtl="0" eaLnBrk="1" latinLnBrk="0" hangingPunct="1">
-        <a:defRPr sz="1890" kern="1200">
+      <a:lvl4pPr marL="1224016" algn="l" defTabSz="816011" rtl="0" eaLnBrk="1" latinLnBrk="0" hangingPunct="1">
+        <a:defRPr sz="1606" kern="1200">
           <a:solidFill>
             <a:schemeClr val="tx1"/>
           </a:solidFill>
@@ -2901,8 +2901,8 @@
           <a:cs typeface="+mn-cs"/>
         </a:defRPr>
       </a:lvl4pPr>
-      <a:lvl5pPr marL="1919874" algn="l" defTabSz="959937" rtl="0" eaLnBrk="1" latinLnBrk="0" hangingPunct="1">
-        <a:defRPr sz="1890" kern="1200">
+      <a:lvl5pPr marL="1632021" algn="l" defTabSz="816011" rtl="0" eaLnBrk="1" latinLnBrk="0" hangingPunct="1">
+        <a:defRPr sz="1606" kern="1200">
           <a:solidFill>
             <a:schemeClr val="tx1"/>
           </a:solidFill>
@@ -2911,8 +2911,8 @@
           <a:cs typeface="+mn-cs"/>
         </a:defRPr>
       </a:lvl5pPr>
-      <a:lvl6pPr marL="2399843" algn="l" defTabSz="959937" rtl="0" eaLnBrk="1" latinLnBrk="0" hangingPunct="1">
-        <a:defRPr sz="1890" kern="1200">
+      <a:lvl6pPr marL="2040026" algn="l" defTabSz="816011" rtl="0" eaLnBrk="1" latinLnBrk="0" hangingPunct="1">
+        <a:defRPr sz="1606" kern="1200">
           <a:solidFill>
             <a:schemeClr val="tx1"/>
           </a:solidFill>
@@ -2921,8 +2921,8 @@
           <a:cs typeface="+mn-cs"/>
         </a:defRPr>
       </a:lvl6pPr>
-      <a:lvl7pPr marL="2879811" algn="l" defTabSz="959937" rtl="0" eaLnBrk="1" latinLnBrk="0" hangingPunct="1">
-        <a:defRPr sz="1890" kern="1200">
+      <a:lvl7pPr marL="2448032" algn="l" defTabSz="816011" rtl="0" eaLnBrk="1" latinLnBrk="0" hangingPunct="1">
+        <a:defRPr sz="1606" kern="1200">
           <a:solidFill>
             <a:schemeClr val="tx1"/>
           </a:solidFill>
@@ -2931,8 +2931,8 @@
           <a:cs typeface="+mn-cs"/>
         </a:defRPr>
       </a:lvl7pPr>
-      <a:lvl8pPr marL="3359780" algn="l" defTabSz="959937" rtl="0" eaLnBrk="1" latinLnBrk="0" hangingPunct="1">
-        <a:defRPr sz="1890" kern="1200">
+      <a:lvl8pPr marL="2856037" algn="l" defTabSz="816011" rtl="0" eaLnBrk="1" latinLnBrk="0" hangingPunct="1">
+        <a:defRPr sz="1606" kern="1200">
           <a:solidFill>
             <a:schemeClr val="tx1"/>
           </a:solidFill>
@@ -2941,8 +2941,8 @@
           <a:cs typeface="+mn-cs"/>
         </a:defRPr>
       </a:lvl8pPr>
-      <a:lvl9pPr marL="3839748" algn="l" defTabSz="959937" rtl="0" eaLnBrk="1" latinLnBrk="0" hangingPunct="1">
-        <a:defRPr sz="1890" kern="1200">
+      <a:lvl9pPr marL="3264042" algn="l" defTabSz="816011" rtl="0" eaLnBrk="1" latinLnBrk="0" hangingPunct="1">
+        <a:defRPr sz="1606" kern="1200">
           <a:solidFill>
             <a:schemeClr val="tx1"/>
           </a:solidFill>
@@ -2987,7 +2987,7 @@
         </p:nvSpPr>
         <p:spPr>
           <a:xfrm>
-            <a:off x="817665" y="1709566"/>
+            <a:off x="428025" y="1009140"/>
             <a:ext cx="6172126" cy="4896636"/>
           </a:xfrm>
           <a:prstGeom prst="roundRect">
@@ -3042,7 +3042,7 @@
         </p:nvSpPr>
         <p:spPr>
           <a:xfrm>
-            <a:off x="7209021" y="1826941"/>
+            <a:off x="6819381" y="1126518"/>
             <a:ext cx="8444018" cy="4283129"/>
           </a:xfrm>
           <a:prstGeom prst="roundRect">
@@ -3097,7 +3097,7 @@
         </p:nvSpPr>
         <p:spPr>
           <a:xfrm>
-            <a:off x="13680096" y="2195188"/>
+            <a:off x="13290456" y="1494762"/>
             <a:ext cx="1809824" cy="3014456"/>
           </a:xfrm>
           <a:prstGeom prst="roundRect">
@@ -3156,7 +3156,7 @@
         </p:nvSpPr>
         <p:spPr>
           <a:xfrm>
-            <a:off x="10247837" y="2196785"/>
+            <a:off x="9858197" y="1496359"/>
             <a:ext cx="1809824" cy="3014456"/>
           </a:xfrm>
           <a:prstGeom prst="roundRect">
@@ -3215,7 +3215,7 @@
         </p:nvSpPr>
         <p:spPr>
           <a:xfrm>
-            <a:off x="8057826" y="2175024"/>
+            <a:off x="7668186" y="1474598"/>
             <a:ext cx="1809824" cy="3014456"/>
           </a:xfrm>
           <a:prstGeom prst="roundRect">
@@ -3282,7 +3282,7 @@
         </p:blipFill>
         <p:spPr>
           <a:xfrm>
-            <a:off x="5495812" y="3481908"/>
+            <a:off x="5106175" y="2781485"/>
             <a:ext cx="1312553" cy="1312553"/>
           </a:xfrm>
           <a:prstGeom prst="rect">
@@ -3311,7 +3311,7 @@
         </p:blipFill>
         <p:spPr>
           <a:xfrm>
-            <a:off x="3770215" y="4949496"/>
+            <a:off x="3380578" y="4249073"/>
             <a:ext cx="1312553" cy="1312553"/>
           </a:xfrm>
           <a:prstGeom prst="rect">
@@ -3341,7 +3341,7 @@
         </p:blipFill>
         <p:spPr>
           <a:xfrm>
-            <a:off x="1130815" y="2169355"/>
+            <a:off x="741178" y="1468932"/>
             <a:ext cx="1304741" cy="1312553"/>
           </a:xfrm>
           <a:prstGeom prst="rect">
@@ -3371,7 +3371,7 @@
         </p:blipFill>
         <p:spPr>
           <a:xfrm>
-            <a:off x="3769141" y="2175022"/>
+            <a:off x="3379504" y="1474599"/>
             <a:ext cx="1312553" cy="1312553"/>
           </a:xfrm>
           <a:prstGeom prst="rect">
@@ -3397,7 +3397,7 @@
         </p:nvCxnSpPr>
         <p:spPr>
           <a:xfrm>
-            <a:off x="2435556" y="2825631"/>
+            <a:off x="2045916" y="2125208"/>
             <a:ext cx="1333588" cy="5667"/>
           </a:xfrm>
           <a:prstGeom prst="straightConnector1">
@@ -3443,7 +3443,7 @@
         </p:nvCxnSpPr>
         <p:spPr>
           <a:xfrm>
-            <a:off x="4425421" y="4138184"/>
+            <a:off x="4035781" y="3437758"/>
             <a:ext cx="1070394" cy="0"/>
           </a:xfrm>
           <a:prstGeom prst="straightConnector1">
@@ -3490,7 +3490,7 @@
         </p:nvCxnSpPr>
         <p:spPr>
           <a:xfrm>
-            <a:off x="4425421" y="3487575"/>
+            <a:off x="4035781" y="2787149"/>
             <a:ext cx="1074" cy="1461922"/>
           </a:xfrm>
           <a:prstGeom prst="straightConnector1">
@@ -3519,8 +3519,8 @@
           </a:fontRef>
         </p:style>
       </p:cxnSp>
-      <mc:AlternateContent xmlns:mc="http://schemas.openxmlformats.org/markup-compatibility/2006" xmlns:a14="http://schemas.microsoft.com/office/drawing/2010/main">
-        <mc:Choice Requires="a14">
+      <mc:AlternateContent xmlns:mc="http://schemas.openxmlformats.org/markup-compatibility/2006">
+        <mc:Choice xmlns:a14="http://schemas.microsoft.com/office/drawing/2010/main" Requires="a14">
           <p:sp>
             <p:nvSpPr>
               <p:cNvPr id="30" name="圆角矩形 29">
@@ -3535,7 +3535,7 @@
             </p:nvSpPr>
             <p:spPr>
               <a:xfrm>
-                <a:off x="8254284" y="2726886"/>
+                <a:off x="7864647" y="2026460"/>
                 <a:ext cx="1416901" cy="442140"/>
               </a:xfrm>
               <a:prstGeom prst="roundRect">
@@ -3601,7 +3601,7 @@
             </p:txBody>
           </p:sp>
         </mc:Choice>
-        <mc:Fallback xmlns="">
+        <mc:Fallback>
           <p:sp>
             <p:nvSpPr>
               <p:cNvPr id="30" name="圆角矩形 29">
@@ -3618,7 +3618,7 @@
             </p:nvSpPr>
             <p:spPr>
               <a:xfrm>
-                <a:off x="8254284" y="2726886"/>
+                <a:off x="7864647" y="2026460"/>
                 <a:ext cx="1416901" cy="442140"/>
               </a:xfrm>
               <a:prstGeom prst="roundRect">
@@ -3627,7 +3627,7 @@
               <a:blipFill>
                 <a:blip r:embed="rId6"/>
                 <a:stretch>
-                  <a:fillRect b="-18919"/>
+                  <a:fillRect b="-21622"/>
                 </a:stretch>
               </a:blipFill>
             </p:spPr>
@@ -3646,8 +3646,8 @@
           </p:sp>
         </mc:Fallback>
       </mc:AlternateContent>
-      <mc:AlternateContent xmlns:mc="http://schemas.openxmlformats.org/markup-compatibility/2006" xmlns:a14="http://schemas.microsoft.com/office/drawing/2010/main">
-        <mc:Choice Requires="a14">
+      <mc:AlternateContent xmlns:mc="http://schemas.openxmlformats.org/markup-compatibility/2006">
+        <mc:Choice xmlns:a14="http://schemas.microsoft.com/office/drawing/2010/main" Requires="a14">
           <p:sp>
             <p:nvSpPr>
               <p:cNvPr id="31" name="圆角矩形 30">
@@ -3662,7 +3662,7 @@
             </p:nvSpPr>
             <p:spPr>
               <a:xfrm>
-                <a:off x="8254284" y="3948346"/>
+                <a:off x="7864647" y="3247920"/>
                 <a:ext cx="1416901" cy="442140"/>
               </a:xfrm>
               <a:prstGeom prst="roundRect">
@@ -3728,7 +3728,7 @@
             </p:txBody>
           </p:sp>
         </mc:Choice>
-        <mc:Fallback xmlns="">
+        <mc:Fallback>
           <p:sp>
             <p:nvSpPr>
               <p:cNvPr id="31" name="圆角矩形 30">
@@ -3745,7 +3745,7 @@
             </p:nvSpPr>
             <p:spPr>
               <a:xfrm>
-                <a:off x="8254284" y="3948346"/>
+                <a:off x="7864647" y="3247920"/>
                 <a:ext cx="1416901" cy="442140"/>
               </a:xfrm>
               <a:prstGeom prst="roundRect">
@@ -3754,7 +3754,7 @@
               <a:blipFill>
                 <a:blip r:embed="rId7"/>
                 <a:stretch>
-                  <a:fillRect b="-18919"/>
+                  <a:fillRect b="-22222"/>
                 </a:stretch>
               </a:blipFill>
             </p:spPr>
@@ -3773,8 +3773,8 @@
           </p:sp>
         </mc:Fallback>
       </mc:AlternateContent>
-      <mc:AlternateContent xmlns:mc="http://schemas.openxmlformats.org/markup-compatibility/2006" xmlns:a14="http://schemas.microsoft.com/office/drawing/2010/main">
-        <mc:Choice Requires="a14">
+      <mc:AlternateContent xmlns:mc="http://schemas.openxmlformats.org/markup-compatibility/2006">
+        <mc:Choice xmlns:a14="http://schemas.microsoft.com/office/drawing/2010/main" Requires="a14">
           <p:sp>
             <p:nvSpPr>
               <p:cNvPr id="32" name="圆角矩形 31">
@@ -3789,7 +3789,7 @@
             </p:nvSpPr>
             <p:spPr>
               <a:xfrm>
-                <a:off x="8254284" y="3337616"/>
+                <a:off x="7864647" y="2637190"/>
                 <a:ext cx="1416901" cy="442140"/>
               </a:xfrm>
               <a:prstGeom prst="roundRect">
@@ -3855,7 +3855,7 @@
             </p:txBody>
           </p:sp>
         </mc:Choice>
-        <mc:Fallback xmlns="">
+        <mc:Fallback>
           <p:sp>
             <p:nvSpPr>
               <p:cNvPr id="32" name="圆角矩形 31">
@@ -3872,7 +3872,7 @@
             </p:nvSpPr>
             <p:spPr>
               <a:xfrm>
-                <a:off x="8254284" y="3337616"/>
+                <a:off x="7864647" y="2637190"/>
                 <a:ext cx="1416901" cy="442140"/>
               </a:xfrm>
               <a:prstGeom prst="roundRect">
@@ -3881,7 +3881,7 @@
               <a:blipFill>
                 <a:blip r:embed="rId8"/>
                 <a:stretch>
-                  <a:fillRect b="-18919"/>
+                  <a:fillRect t="-2778" b="-22222"/>
                 </a:stretch>
               </a:blipFill>
             </p:spPr>
@@ -3900,8 +3900,8 @@
           </p:sp>
         </mc:Fallback>
       </mc:AlternateContent>
-      <mc:AlternateContent xmlns:mc="http://schemas.openxmlformats.org/markup-compatibility/2006" xmlns:a14="http://schemas.microsoft.com/office/drawing/2010/main">
-        <mc:Choice Requires="a14">
+      <mc:AlternateContent xmlns:mc="http://schemas.openxmlformats.org/markup-compatibility/2006">
+        <mc:Choice xmlns:a14="http://schemas.microsoft.com/office/drawing/2010/main" Requires="a14">
           <p:sp>
             <p:nvSpPr>
               <p:cNvPr id="33" name="圆角矩形 32">
@@ -3916,7 +3916,7 @@
             </p:nvSpPr>
             <p:spPr>
               <a:xfrm>
-                <a:off x="8254284" y="4559076"/>
+                <a:off x="7864647" y="3858650"/>
                 <a:ext cx="1416901" cy="442140"/>
               </a:xfrm>
               <a:prstGeom prst="roundRect">
@@ -3982,7 +3982,7 @@
             </p:txBody>
           </p:sp>
         </mc:Choice>
-        <mc:Fallback xmlns="">
+        <mc:Fallback>
           <p:sp>
             <p:nvSpPr>
               <p:cNvPr id="33" name="圆角矩形 32">
@@ -3999,7 +3999,7 @@
             </p:nvSpPr>
             <p:spPr>
               <a:xfrm>
-                <a:off x="8254284" y="4559076"/>
+                <a:off x="7864647" y="3858650"/>
                 <a:ext cx="1416901" cy="442140"/>
               </a:xfrm>
               <a:prstGeom prst="roundRect">
@@ -4044,7 +4044,7 @@
         </p:nvCxnSpPr>
         <p:spPr>
           <a:xfrm>
-            <a:off x="8962735" y="3169022"/>
+            <a:off x="8573095" y="2468596"/>
             <a:ext cx="0" cy="168590"/>
           </a:xfrm>
           <a:prstGeom prst="straightConnector1">
@@ -4083,7 +4083,7 @@
         </p:nvCxnSpPr>
         <p:spPr>
           <a:xfrm>
-            <a:off x="8962735" y="3779752"/>
+            <a:off x="8573095" y="3079326"/>
             <a:ext cx="0" cy="168590"/>
           </a:xfrm>
           <a:prstGeom prst="straightConnector1">
@@ -4122,7 +4122,7 @@
         </p:nvCxnSpPr>
         <p:spPr>
           <a:xfrm>
-            <a:off x="8962735" y="4390482"/>
+            <a:off x="8573095" y="3690056"/>
             <a:ext cx="0" cy="168590"/>
           </a:xfrm>
           <a:prstGeom prst="straightConnector1">
@@ -4161,7 +4161,7 @@
         </p:nvSpPr>
         <p:spPr>
           <a:xfrm>
-            <a:off x="8386087" y="2242553"/>
+            <a:off x="7996447" y="1542127"/>
             <a:ext cx="1153300" cy="412870"/>
           </a:xfrm>
           <a:prstGeom prst="rect">
@@ -4191,8 +4191,8 @@
           </a:p>
         </p:txBody>
       </p:sp>
-      <mc:AlternateContent xmlns:mc="http://schemas.openxmlformats.org/markup-compatibility/2006" xmlns:a14="http://schemas.microsoft.com/office/drawing/2010/main">
-        <mc:Choice Requires="a14">
+      <mc:AlternateContent xmlns:mc="http://schemas.openxmlformats.org/markup-compatibility/2006">
+        <mc:Choice xmlns:a14="http://schemas.microsoft.com/office/drawing/2010/main" Requires="a14">
           <p:sp>
             <p:nvSpPr>
               <p:cNvPr id="40" name="圆角矩形 39">
@@ -4207,7 +4207,7 @@
             </p:nvSpPr>
             <p:spPr>
               <a:xfrm>
-                <a:off x="10444296" y="2748646"/>
+                <a:off x="10054659" y="2048220"/>
                 <a:ext cx="1416901" cy="442140"/>
               </a:xfrm>
               <a:prstGeom prst="roundRect">
@@ -4273,7 +4273,7 @@
             </p:txBody>
           </p:sp>
         </mc:Choice>
-        <mc:Fallback xmlns="">
+        <mc:Fallback>
           <p:sp>
             <p:nvSpPr>
               <p:cNvPr id="40" name="圆角矩形 39">
@@ -4290,7 +4290,7 @@
             </p:nvSpPr>
             <p:spPr>
               <a:xfrm>
-                <a:off x="10444296" y="2748646"/>
+                <a:off x="10054659" y="2048220"/>
                 <a:ext cx="1416901" cy="442140"/>
               </a:xfrm>
               <a:prstGeom prst="roundRect">
@@ -4299,7 +4299,7 @@
               <a:blipFill>
                 <a:blip r:embed="rId10"/>
                 <a:stretch>
-                  <a:fillRect b="-22222"/>
+                  <a:fillRect b="-21622"/>
                 </a:stretch>
               </a:blipFill>
             </p:spPr>
@@ -4318,8 +4318,8 @@
           </p:sp>
         </mc:Fallback>
       </mc:AlternateContent>
-      <mc:AlternateContent xmlns:mc="http://schemas.openxmlformats.org/markup-compatibility/2006" xmlns:a14="http://schemas.microsoft.com/office/drawing/2010/main">
-        <mc:Choice Requires="a14">
+      <mc:AlternateContent xmlns:mc="http://schemas.openxmlformats.org/markup-compatibility/2006">
+        <mc:Choice xmlns:a14="http://schemas.microsoft.com/office/drawing/2010/main" Requires="a14">
           <p:sp>
             <p:nvSpPr>
               <p:cNvPr id="41" name="圆角矩形 40">
@@ -4334,7 +4334,7 @@
             </p:nvSpPr>
             <p:spPr>
               <a:xfrm>
-                <a:off x="10444296" y="3970106"/>
+                <a:off x="10054659" y="3269680"/>
                 <a:ext cx="1416901" cy="442140"/>
               </a:xfrm>
               <a:prstGeom prst="roundRect">
@@ -4400,7 +4400,7 @@
             </p:txBody>
           </p:sp>
         </mc:Choice>
-        <mc:Fallback xmlns="">
+        <mc:Fallback>
           <p:sp>
             <p:nvSpPr>
               <p:cNvPr id="41" name="圆角矩形 40">
@@ -4417,7 +4417,7 @@
             </p:nvSpPr>
             <p:spPr>
               <a:xfrm>
-                <a:off x="10444296" y="3970106"/>
+                <a:off x="10054659" y="3269680"/>
                 <a:ext cx="1416901" cy="442140"/>
               </a:xfrm>
               <a:prstGeom prst="roundRect">
@@ -4426,7 +4426,7 @@
               <a:blipFill>
                 <a:blip r:embed="rId11"/>
                 <a:stretch>
-                  <a:fillRect b="-22222"/>
+                  <a:fillRect b="-18919"/>
                 </a:stretch>
               </a:blipFill>
             </p:spPr>
@@ -4445,8 +4445,8 @@
           </p:sp>
         </mc:Fallback>
       </mc:AlternateContent>
-      <mc:AlternateContent xmlns:mc="http://schemas.openxmlformats.org/markup-compatibility/2006" xmlns:a14="http://schemas.microsoft.com/office/drawing/2010/main">
-        <mc:Choice Requires="a14">
+      <mc:AlternateContent xmlns:mc="http://schemas.openxmlformats.org/markup-compatibility/2006">
+        <mc:Choice xmlns:a14="http://schemas.microsoft.com/office/drawing/2010/main" Requires="a14">
           <p:sp>
             <p:nvSpPr>
               <p:cNvPr id="42" name="圆角矩形 41">
@@ -4461,7 +4461,7 @@
             </p:nvSpPr>
             <p:spPr>
               <a:xfrm>
-                <a:off x="10444296" y="3359376"/>
+                <a:off x="10054659" y="2658950"/>
                 <a:ext cx="1416901" cy="442140"/>
               </a:xfrm>
               <a:prstGeom prst="roundRect">
@@ -4527,7 +4527,7 @@
             </p:txBody>
           </p:sp>
         </mc:Choice>
-        <mc:Fallback xmlns="">
+        <mc:Fallback>
           <p:sp>
             <p:nvSpPr>
               <p:cNvPr id="42" name="圆角矩形 41">
@@ -4544,7 +4544,7 @@
             </p:nvSpPr>
             <p:spPr>
               <a:xfrm>
-                <a:off x="10444296" y="3359376"/>
+                <a:off x="10054659" y="2658950"/>
                 <a:ext cx="1416901" cy="442140"/>
               </a:xfrm>
               <a:prstGeom prst="roundRect">
@@ -4553,7 +4553,7 @@
               <a:blipFill>
                 <a:blip r:embed="rId12"/>
                 <a:stretch>
-                  <a:fillRect b="-22222"/>
+                  <a:fillRect b="-21622"/>
                 </a:stretch>
               </a:blipFill>
             </p:spPr>
@@ -4572,8 +4572,8 @@
           </p:sp>
         </mc:Fallback>
       </mc:AlternateContent>
-      <mc:AlternateContent xmlns:mc="http://schemas.openxmlformats.org/markup-compatibility/2006" xmlns:a14="http://schemas.microsoft.com/office/drawing/2010/main">
-        <mc:Choice Requires="a14">
+      <mc:AlternateContent xmlns:mc="http://schemas.openxmlformats.org/markup-compatibility/2006">
+        <mc:Choice xmlns:a14="http://schemas.microsoft.com/office/drawing/2010/main" Requires="a14">
           <p:sp>
             <p:nvSpPr>
               <p:cNvPr id="43" name="圆角矩形 42">
@@ -4588,7 +4588,7 @@
             </p:nvSpPr>
             <p:spPr>
               <a:xfrm>
-                <a:off x="10444296" y="4580836"/>
+                <a:off x="10054659" y="3880410"/>
                 <a:ext cx="1416901" cy="442140"/>
               </a:xfrm>
               <a:prstGeom prst="roundRect">
@@ -4654,7 +4654,7 @@
             </p:txBody>
           </p:sp>
         </mc:Choice>
-        <mc:Fallback xmlns="">
+        <mc:Fallback>
           <p:sp>
             <p:nvSpPr>
               <p:cNvPr id="43" name="圆角矩形 42">
@@ -4671,7 +4671,7 @@
             </p:nvSpPr>
             <p:spPr>
               <a:xfrm>
-                <a:off x="10444296" y="4580836"/>
+                <a:off x="10054659" y="3880410"/>
                 <a:ext cx="1416901" cy="442140"/>
               </a:xfrm>
               <a:prstGeom prst="roundRect">
@@ -4680,7 +4680,7 @@
               <a:blipFill>
                 <a:blip r:embed="rId13"/>
                 <a:stretch>
-                  <a:fillRect b="-22222"/>
+                  <a:fillRect t="-2778" b="-19444"/>
                 </a:stretch>
               </a:blipFill>
             </p:spPr>
@@ -4716,7 +4716,7 @@
         </p:nvCxnSpPr>
         <p:spPr>
           <a:xfrm>
-            <a:off x="11152746" y="3190783"/>
+            <a:off x="10763106" y="2490357"/>
             <a:ext cx="0" cy="168590"/>
           </a:xfrm>
           <a:prstGeom prst="straightConnector1">
@@ -4755,7 +4755,7 @@
         </p:nvCxnSpPr>
         <p:spPr>
           <a:xfrm>
-            <a:off x="11152746" y="3801512"/>
+            <a:off x="10763106" y="3101086"/>
             <a:ext cx="0" cy="168590"/>
           </a:xfrm>
           <a:prstGeom prst="straightConnector1">
@@ -4794,7 +4794,7 @@
         </p:nvCxnSpPr>
         <p:spPr>
           <a:xfrm>
-            <a:off x="11152746" y="4412242"/>
+            <a:off x="10763106" y="3711816"/>
             <a:ext cx="0" cy="168590"/>
           </a:xfrm>
           <a:prstGeom prst="straightConnector1">
@@ -4833,7 +4833,7 @@
         </p:nvSpPr>
         <p:spPr>
           <a:xfrm>
-            <a:off x="10576098" y="2264313"/>
+            <a:off x="10186458" y="1563887"/>
             <a:ext cx="1153300" cy="412870"/>
           </a:xfrm>
           <a:prstGeom prst="rect">
@@ -4863,8 +4863,8 @@
           </a:p>
         </p:txBody>
       </p:sp>
-      <mc:AlternateContent xmlns:mc="http://schemas.openxmlformats.org/markup-compatibility/2006" xmlns:a14="http://schemas.microsoft.com/office/drawing/2010/main">
-        <mc:Choice Requires="a14">
+      <mc:AlternateContent xmlns:mc="http://schemas.openxmlformats.org/markup-compatibility/2006">
+        <mc:Choice xmlns:a14="http://schemas.microsoft.com/office/drawing/2010/main" Requires="a14">
           <p:sp>
             <p:nvSpPr>
               <p:cNvPr id="49" name="圆角矩形 48">
@@ -4879,7 +4879,7 @@
             </p:nvSpPr>
             <p:spPr>
               <a:xfrm>
-                <a:off x="13876554" y="2747049"/>
+                <a:off x="13486917" y="2046623"/>
                 <a:ext cx="1416901" cy="442140"/>
               </a:xfrm>
               <a:prstGeom prst="roundRect">
@@ -4945,7 +4945,7 @@
             </p:txBody>
           </p:sp>
         </mc:Choice>
-        <mc:Fallback xmlns="">
+        <mc:Fallback>
           <p:sp>
             <p:nvSpPr>
               <p:cNvPr id="49" name="圆角矩形 48">
@@ -4962,7 +4962,7 @@
             </p:nvSpPr>
             <p:spPr>
               <a:xfrm>
-                <a:off x="13876554" y="2747049"/>
+                <a:off x="13486917" y="2046623"/>
                 <a:ext cx="1416901" cy="442140"/>
               </a:xfrm>
               <a:prstGeom prst="roundRect">
@@ -4971,7 +4971,7 @@
               <a:blipFill>
                 <a:blip r:embed="rId14"/>
                 <a:stretch>
-                  <a:fillRect b="-16667"/>
+                  <a:fillRect b="-16216"/>
                 </a:stretch>
               </a:blipFill>
             </p:spPr>
@@ -4990,8 +4990,8 @@
           </p:sp>
         </mc:Fallback>
       </mc:AlternateContent>
-      <mc:AlternateContent xmlns:mc="http://schemas.openxmlformats.org/markup-compatibility/2006" xmlns:a14="http://schemas.microsoft.com/office/drawing/2010/main">
-        <mc:Choice Requires="a14">
+      <mc:AlternateContent xmlns:mc="http://schemas.openxmlformats.org/markup-compatibility/2006">
+        <mc:Choice xmlns:a14="http://schemas.microsoft.com/office/drawing/2010/main" Requires="a14">
           <p:sp>
             <p:nvSpPr>
               <p:cNvPr id="50" name="圆角矩形 49">
@@ -5006,7 +5006,7 @@
             </p:nvSpPr>
             <p:spPr>
               <a:xfrm>
-                <a:off x="13876554" y="3968509"/>
+                <a:off x="13486917" y="3268083"/>
                 <a:ext cx="1416901" cy="442140"/>
               </a:xfrm>
               <a:prstGeom prst="roundRect">
@@ -5072,7 +5072,7 @@
             </p:txBody>
           </p:sp>
         </mc:Choice>
-        <mc:Fallback xmlns="">
+        <mc:Fallback>
           <p:sp>
             <p:nvSpPr>
               <p:cNvPr id="50" name="圆角矩形 49">
@@ -5089,7 +5089,7 @@
             </p:nvSpPr>
             <p:spPr>
               <a:xfrm>
-                <a:off x="13876554" y="3968509"/>
+                <a:off x="13486917" y="3268083"/>
                 <a:ext cx="1416901" cy="442140"/>
               </a:xfrm>
               <a:prstGeom prst="roundRect">
@@ -5098,7 +5098,7 @@
               <a:blipFill>
                 <a:blip r:embed="rId15"/>
                 <a:stretch>
-                  <a:fillRect b="-22222"/>
+                  <a:fillRect b="-18919"/>
                 </a:stretch>
               </a:blipFill>
             </p:spPr>
@@ -5117,8 +5117,8 @@
           </p:sp>
         </mc:Fallback>
       </mc:AlternateContent>
-      <mc:AlternateContent xmlns:mc="http://schemas.openxmlformats.org/markup-compatibility/2006" xmlns:a14="http://schemas.microsoft.com/office/drawing/2010/main">
-        <mc:Choice Requires="a14">
+      <mc:AlternateContent xmlns:mc="http://schemas.openxmlformats.org/markup-compatibility/2006">
+        <mc:Choice xmlns:a14="http://schemas.microsoft.com/office/drawing/2010/main" Requires="a14">
           <p:sp>
             <p:nvSpPr>
               <p:cNvPr id="51" name="圆角矩形 50">
@@ -5133,7 +5133,7 @@
             </p:nvSpPr>
             <p:spPr>
               <a:xfrm>
-                <a:off x="13876554" y="3357779"/>
+                <a:off x="13486917" y="2657353"/>
                 <a:ext cx="1416901" cy="442140"/>
               </a:xfrm>
               <a:prstGeom prst="roundRect">
@@ -5199,7 +5199,7 @@
             </p:txBody>
           </p:sp>
         </mc:Choice>
-        <mc:Fallback xmlns="">
+        <mc:Fallback>
           <p:sp>
             <p:nvSpPr>
               <p:cNvPr id="51" name="圆角矩形 50">
@@ -5216,7 +5216,7 @@
             </p:nvSpPr>
             <p:spPr>
               <a:xfrm>
-                <a:off x="13876554" y="3357779"/>
+                <a:off x="13486917" y="2657353"/>
                 <a:ext cx="1416901" cy="442140"/>
               </a:xfrm>
               <a:prstGeom prst="roundRect">
@@ -5225,7 +5225,7 @@
               <a:blipFill>
                 <a:blip r:embed="rId16"/>
                 <a:stretch>
-                  <a:fillRect b="-22222"/>
+                  <a:fillRect b="-21622"/>
                 </a:stretch>
               </a:blipFill>
             </p:spPr>
@@ -5244,8 +5244,8 @@
           </p:sp>
         </mc:Fallback>
       </mc:AlternateContent>
-      <mc:AlternateContent xmlns:mc="http://schemas.openxmlformats.org/markup-compatibility/2006" xmlns:a14="http://schemas.microsoft.com/office/drawing/2010/main">
-        <mc:Choice Requires="a14">
+      <mc:AlternateContent xmlns:mc="http://schemas.openxmlformats.org/markup-compatibility/2006">
+        <mc:Choice xmlns:a14="http://schemas.microsoft.com/office/drawing/2010/main" Requires="a14">
           <p:sp>
             <p:nvSpPr>
               <p:cNvPr id="52" name="圆角矩形 51">
@@ -5260,7 +5260,7 @@
             </p:nvSpPr>
             <p:spPr>
               <a:xfrm>
-                <a:off x="13876554" y="4579239"/>
+                <a:off x="13486917" y="3878813"/>
                 <a:ext cx="1416901" cy="442140"/>
               </a:xfrm>
               <a:prstGeom prst="roundRect">
@@ -5326,7 +5326,7 @@
             </p:txBody>
           </p:sp>
         </mc:Choice>
-        <mc:Fallback xmlns="">
+        <mc:Fallback>
           <p:sp>
             <p:nvSpPr>
               <p:cNvPr id="52" name="圆角矩形 51">
@@ -5343,7 +5343,7 @@
             </p:nvSpPr>
             <p:spPr>
               <a:xfrm>
-                <a:off x="13876554" y="4579239"/>
+                <a:off x="13486917" y="3878813"/>
                 <a:ext cx="1416901" cy="442140"/>
               </a:xfrm>
               <a:prstGeom prst="roundRect">
@@ -5352,7 +5352,7 @@
               <a:blipFill>
                 <a:blip r:embed="rId17"/>
                 <a:stretch>
-                  <a:fillRect b="-22222"/>
+                  <a:fillRect b="-18919"/>
                 </a:stretch>
               </a:blipFill>
             </p:spPr>
@@ -5388,7 +5388,7 @@
         </p:nvCxnSpPr>
         <p:spPr>
           <a:xfrm>
-            <a:off x="14585005" y="3189186"/>
+            <a:off x="14195365" y="2488760"/>
             <a:ext cx="0" cy="168590"/>
           </a:xfrm>
           <a:prstGeom prst="straightConnector1">
@@ -5427,7 +5427,7 @@
         </p:nvCxnSpPr>
         <p:spPr>
           <a:xfrm>
-            <a:off x="14585005" y="3799916"/>
+            <a:off x="14195365" y="3099490"/>
             <a:ext cx="0" cy="168590"/>
           </a:xfrm>
           <a:prstGeom prst="straightConnector1">
@@ -5466,7 +5466,7 @@
         </p:nvCxnSpPr>
         <p:spPr>
           <a:xfrm>
-            <a:off x="14585005" y="4410645"/>
+            <a:off x="14195365" y="3710219"/>
             <a:ext cx="0" cy="168590"/>
           </a:xfrm>
           <a:prstGeom prst="straightConnector1">
@@ -5505,7 +5505,7 @@
         </p:nvSpPr>
         <p:spPr>
           <a:xfrm>
-            <a:off x="13942457" y="2272597"/>
+            <a:off x="13552820" y="1572171"/>
             <a:ext cx="1285099" cy="412870"/>
           </a:xfrm>
           <a:prstGeom prst="rect">
@@ -5551,7 +5551,7 @@
         </p:nvCxnSpPr>
         <p:spPr>
           <a:xfrm flipV="1">
-            <a:off x="9684601" y="2969716"/>
+            <a:off x="9294961" y="2269293"/>
             <a:ext cx="746280" cy="1839663"/>
           </a:xfrm>
           <a:prstGeom prst="bentConnector3">
@@ -5601,7 +5601,7 @@
         </p:nvCxnSpPr>
         <p:spPr>
           <a:xfrm flipV="1">
-            <a:off x="13112515" y="2964291"/>
+            <a:off x="12722875" y="2263868"/>
             <a:ext cx="746280" cy="1839663"/>
           </a:xfrm>
           <a:prstGeom prst="bentConnector3">
@@ -5649,7 +5649,7 @@
         </p:nvSpPr>
         <p:spPr>
           <a:xfrm>
-            <a:off x="12361325" y="3169023"/>
+            <a:off x="11971685" y="2468600"/>
             <a:ext cx="683200" cy="957955"/>
           </a:xfrm>
           <a:prstGeom prst="rect">
@@ -5689,7 +5689,7 @@
         </p:nvCxnSpPr>
         <p:spPr>
           <a:xfrm rot="5400000" flipH="1" flipV="1">
-            <a:off x="9725185" y="-1377911"/>
+            <a:off x="9335548" y="-2078337"/>
             <a:ext cx="1286723" cy="8432917"/>
           </a:xfrm>
           <a:prstGeom prst="bentConnector3">
@@ -5733,7 +5733,7 @@
         </p:nvCxnSpPr>
         <p:spPr>
           <a:xfrm>
-            <a:off x="7451968" y="1982117"/>
+            <a:off x="7062328" y="1281694"/>
             <a:ext cx="0" cy="3662615"/>
           </a:xfrm>
           <a:prstGeom prst="straightConnector1">
@@ -5778,7 +5778,7 @@
         </p:nvCxnSpPr>
         <p:spPr>
           <a:xfrm>
-            <a:off x="8953233" y="1952752"/>
+            <a:off x="8563593" y="1252329"/>
             <a:ext cx="0" cy="222273"/>
           </a:xfrm>
           <a:prstGeom prst="straightConnector1">
@@ -5823,7 +5823,7 @@
         </p:nvCxnSpPr>
         <p:spPr>
           <a:xfrm>
-            <a:off x="11139880" y="1952752"/>
+            <a:off x="10750240" y="1252326"/>
             <a:ext cx="0" cy="242436"/>
           </a:xfrm>
           <a:prstGeom prst="straightConnector1">
@@ -5870,7 +5870,7 @@
         </p:nvCxnSpPr>
         <p:spPr>
           <a:xfrm flipV="1">
-            <a:off x="8569804" y="5209641"/>
+            <a:off x="8180167" y="4509218"/>
             <a:ext cx="6015201" cy="421065"/>
           </a:xfrm>
           <a:prstGeom prst="bentConnector2">
@@ -5910,7 +5910,7 @@
         </p:nvSpPr>
         <p:spPr>
           <a:xfrm>
-            <a:off x="7693983" y="5242648"/>
+            <a:off x="7304346" y="4542222"/>
             <a:ext cx="875821" cy="776120"/>
           </a:xfrm>
           <a:prstGeom prst="roundRect">
@@ -5977,7 +5977,7 @@
         </p:nvCxnSpPr>
         <p:spPr>
           <a:xfrm>
-            <a:off x="5082771" y="5605776"/>
+            <a:off x="4693134" y="4905353"/>
             <a:ext cx="2611215" cy="24933"/>
           </a:xfrm>
           <a:prstGeom prst="straightConnector1">
@@ -6023,7 +6023,7 @@
         </p:nvCxnSpPr>
         <p:spPr>
           <a:xfrm flipV="1">
-            <a:off x="8962736" y="5189481"/>
+            <a:off x="8573096" y="4489055"/>
             <a:ext cx="0" cy="436458"/>
           </a:xfrm>
           <a:prstGeom prst="straightConnector1">
@@ -6068,7 +6068,7 @@
         </p:nvCxnSpPr>
         <p:spPr>
           <a:xfrm flipV="1">
-            <a:off x="11152745" y="5209644"/>
+            <a:off x="10763105" y="4509221"/>
             <a:ext cx="0" cy="416295"/>
           </a:xfrm>
           <a:prstGeom prst="straightConnector1">
@@ -6115,7 +6115,7 @@
         </p:nvCxnSpPr>
         <p:spPr>
           <a:xfrm flipV="1">
-            <a:off x="15293455" y="4189579"/>
+            <a:off x="14903815" y="3489156"/>
             <a:ext cx="621156" cy="1"/>
           </a:xfrm>
           <a:prstGeom prst="straightConnector1">
@@ -6158,7 +6158,7 @@
         </p:nvSpPr>
         <p:spPr>
           <a:xfrm>
-            <a:off x="8716182" y="1417092"/>
+            <a:off x="8326545" y="716666"/>
             <a:ext cx="5722449" cy="477054"/>
           </a:xfrm>
           <a:prstGeom prst="rect">
@@ -6202,8 +6202,8 @@
         </p:nvSpPr>
         <p:spPr>
           <a:xfrm>
-            <a:off x="15787387" y="714076"/>
-            <a:ext cx="1567001" cy="1125769"/>
+            <a:off x="15397749" y="188460"/>
+            <a:ext cx="1567001" cy="934397"/>
           </a:xfrm>
           <a:prstGeom prst="roundRect">
             <a:avLst/>
@@ -6265,7 +6265,7 @@
         </p:nvSpPr>
         <p:spPr>
           <a:xfrm>
-            <a:off x="1420793" y="1276959"/>
+            <a:off x="1031156" y="576533"/>
             <a:ext cx="4914683" cy="477054"/>
           </a:xfrm>
           <a:prstGeom prst="rect">
@@ -6308,7 +6308,7 @@
         </p:nvSpPr>
         <p:spPr>
           <a:xfrm>
-            <a:off x="3616611" y="1830872"/>
+            <a:off x="3226974" y="1130449"/>
             <a:ext cx="1630933" cy="380873"/>
           </a:xfrm>
           <a:prstGeom prst="rect">
@@ -6345,7 +6345,7 @@
         </p:nvSpPr>
         <p:spPr>
           <a:xfrm>
-            <a:off x="976098" y="1823280"/>
+            <a:off x="586461" y="1122857"/>
             <a:ext cx="1630933" cy="380873"/>
           </a:xfrm>
           <a:prstGeom prst="rect">
@@ -6382,7 +6382,7 @@
         </p:nvSpPr>
         <p:spPr>
           <a:xfrm>
-            <a:off x="5330822" y="4757129"/>
+            <a:off x="4941185" y="4056706"/>
             <a:ext cx="1630933" cy="380873"/>
           </a:xfrm>
           <a:prstGeom prst="rect">
@@ -6419,7 +6419,7 @@
         </p:nvSpPr>
         <p:spPr>
           <a:xfrm>
-            <a:off x="3831933" y="6221464"/>
+            <a:off x="3442293" y="5521041"/>
             <a:ext cx="1200290" cy="380873"/>
           </a:xfrm>
           <a:prstGeom prst="rect">
@@ -6456,7 +6456,7 @@
         </p:nvSpPr>
         <p:spPr>
           <a:xfrm>
-            <a:off x="1881852" y="5126306"/>
+            <a:off x="1492215" y="4425880"/>
             <a:ext cx="1541061" cy="958938"/>
           </a:xfrm>
           <a:prstGeom prst="roundRect">
@@ -6525,7 +6525,7 @@
         </p:nvCxnSpPr>
         <p:spPr>
           <a:xfrm>
-            <a:off x="3422913" y="5605773"/>
+            <a:off x="3033276" y="4905347"/>
             <a:ext cx="347305" cy="0"/>
           </a:xfrm>
           <a:prstGeom prst="straightConnector1">
@@ -6571,7 +6571,7 @@
         </p:nvCxnSpPr>
         <p:spPr>
           <a:xfrm>
-            <a:off x="2652381" y="2825631"/>
+            <a:off x="2262741" y="2125205"/>
             <a:ext cx="0" cy="2300672"/>
           </a:xfrm>
           <a:prstGeom prst="straightConnector1">
@@ -6615,7 +6615,7 @@
         </p:nvSpPr>
         <p:spPr>
           <a:xfrm>
-            <a:off x="2323899" y="2537079"/>
+            <a:off x="1934262" y="1836653"/>
             <a:ext cx="1495547" cy="573362"/>
           </a:xfrm>
           <a:prstGeom prst="rect">
@@ -6659,7 +6659,7 @@
         </p:nvSpPr>
         <p:spPr>
           <a:xfrm>
-            <a:off x="4377977" y="3872557"/>
+            <a:off x="3988337" y="3172131"/>
             <a:ext cx="1149730" cy="541046"/>
           </a:xfrm>
           <a:prstGeom prst="rect">
@@ -6703,7 +6703,7 @@
         </p:nvSpPr>
         <p:spPr>
           <a:xfrm>
-            <a:off x="1138769" y="3927642"/>
+            <a:off x="749129" y="3227216"/>
             <a:ext cx="1264004" cy="958938"/>
           </a:xfrm>
           <a:prstGeom prst="roundRect">
@@ -6782,7 +6782,7 @@
         </p:nvCxnSpPr>
         <p:spPr>
           <a:xfrm flipV="1">
-            <a:off x="1770772" y="3481910"/>
+            <a:off x="1381132" y="2781484"/>
             <a:ext cx="12414" cy="445732"/>
           </a:xfrm>
           <a:prstGeom prst="straightConnector1">
@@ -6811,8 +6811,8 @@
           </a:fontRef>
         </p:style>
       </p:cxnSp>
-      <mc:AlternateContent xmlns:mc="http://schemas.openxmlformats.org/markup-compatibility/2006" xmlns:a14="http://schemas.microsoft.com/office/drawing/2010/main">
-        <mc:Choice Requires="a14">
+      <mc:AlternateContent xmlns:mc="http://schemas.openxmlformats.org/markup-compatibility/2006">
+        <mc:Choice xmlns:a14="http://schemas.microsoft.com/office/drawing/2010/main" Requires="a14">
           <p:sp>
             <p:nvSpPr>
               <p:cNvPr id="249" name="文本框 248">
@@ -6827,7 +6827,7 @@
             </p:nvSpPr>
             <p:spPr>
               <a:xfrm>
-                <a:off x="9986588" y="5582308"/>
+                <a:off x="9596951" y="4881885"/>
                 <a:ext cx="2653227" cy="380873"/>
               </a:xfrm>
               <a:prstGeom prst="rect">
@@ -6896,7 +6896,7 @@
             </p:txBody>
           </p:sp>
         </mc:Choice>
-        <mc:Fallback xmlns="">
+        <mc:Fallback>
           <p:sp>
             <p:nvSpPr>
               <p:cNvPr id="249" name="文本框 248">
@@ -6913,7 +6913,7 @@
             </p:nvSpPr>
             <p:spPr>
               <a:xfrm>
-                <a:off x="9986588" y="5582308"/>
+                <a:off x="9596951" y="4881885"/>
                 <a:ext cx="2653227" cy="380873"/>
               </a:xfrm>
               <a:prstGeom prst="rect">
@@ -6922,7 +6922,7 @@
               <a:blipFill>
                 <a:blip r:embed="rId18"/>
                 <a:stretch>
-                  <a:fillRect l="-2381" t="-6452" b="-29032"/>
+                  <a:fillRect l="-1905" t="-6452" b="-25806"/>
                 </a:stretch>
               </a:blipFill>
             </p:spPr>
@@ -6959,12 +6959,12 @@
         </p:nvCxnSpPr>
         <p:spPr>
           <a:xfrm flipV="1">
-            <a:off x="5081695" y="1276962"/>
-            <a:ext cx="10705693" cy="1554339"/>
+            <a:off x="4692056" y="655659"/>
+            <a:ext cx="10705692" cy="1475217"/>
           </a:xfrm>
           <a:prstGeom prst="bentConnector3">
             <a:avLst>
-              <a:gd name="adj1" fmla="val 6392"/>
+              <a:gd name="adj1" fmla="val 5754"/>
             </a:avLst>
           </a:prstGeom>
           <a:ln w="38100">
@@ -7009,7 +7009,7 @@
         </p:blipFill>
         <p:spPr>
           <a:xfrm>
-            <a:off x="15914611" y="3533300"/>
+            <a:off x="15524974" y="2832877"/>
             <a:ext cx="1312553" cy="1312553"/>
           </a:xfrm>
           <a:prstGeom prst="rect">
@@ -7034,9 +7034,9 @@
           <p:nvPr/>
         </p:nvCxnSpPr>
         <p:spPr>
-          <a:xfrm flipV="1">
-            <a:off x="16570888" y="1839844"/>
-            <a:ext cx="0" cy="1693456"/>
+          <a:xfrm flipH="1" flipV="1">
+            <a:off x="16181250" y="1122856"/>
+            <a:ext cx="1" cy="1710020"/>
           </a:xfrm>
           <a:prstGeom prst="straightConnector1">
             <a:avLst/>
@@ -7078,7 +7078,7 @@
         </p:nvSpPr>
         <p:spPr>
           <a:xfrm>
-            <a:off x="15726834" y="4796295"/>
+            <a:off x="15337197" y="4095872"/>
             <a:ext cx="1698743" cy="380873"/>
           </a:xfrm>
           <a:prstGeom prst="rect">

--- a/figures/pipeline.pptx
+++ b/figures/pipeline.pptx
@@ -243,7 +243,7 @@
           <a:p>
             <a:fld id="{43154C27-DF14-C749-8275-2CAAA9F43E1D}" type="datetimeFigureOut">
               <a:rPr kumimoji="1" lang="zh-CN" altLang="en-US" smtClean="0"/>
-              <a:t>2022/10/29</a:t>
+              <a:t>2023/2/4</a:t>
             </a:fld>
             <a:endParaRPr kumimoji="1" lang="zh-CN" altLang="en-US"/>
           </a:p>
@@ -413,7 +413,7 @@
           <a:p>
             <a:fld id="{43154C27-DF14-C749-8275-2CAAA9F43E1D}" type="datetimeFigureOut">
               <a:rPr kumimoji="1" lang="zh-CN" altLang="en-US" smtClean="0"/>
-              <a:t>2022/10/29</a:t>
+              <a:t>2023/2/4</a:t>
             </a:fld>
             <a:endParaRPr kumimoji="1" lang="zh-CN" altLang="en-US"/>
           </a:p>
@@ -593,7 +593,7 @@
           <a:p>
             <a:fld id="{43154C27-DF14-C749-8275-2CAAA9F43E1D}" type="datetimeFigureOut">
               <a:rPr kumimoji="1" lang="zh-CN" altLang="en-US" smtClean="0"/>
-              <a:t>2022/10/29</a:t>
+              <a:t>2023/2/4</a:t>
             </a:fld>
             <a:endParaRPr kumimoji="1" lang="zh-CN" altLang="en-US"/>
           </a:p>
@@ -763,7 +763,7 @@
           <a:p>
             <a:fld id="{43154C27-DF14-C749-8275-2CAAA9F43E1D}" type="datetimeFigureOut">
               <a:rPr kumimoji="1" lang="zh-CN" altLang="en-US" smtClean="0"/>
-              <a:t>2022/10/29</a:t>
+              <a:t>2023/2/4</a:t>
             </a:fld>
             <a:endParaRPr kumimoji="1" lang="zh-CN" altLang="en-US"/>
           </a:p>
@@ -1009,7 +1009,7 @@
           <a:p>
             <a:fld id="{43154C27-DF14-C749-8275-2CAAA9F43E1D}" type="datetimeFigureOut">
               <a:rPr kumimoji="1" lang="zh-CN" altLang="en-US" smtClean="0"/>
-              <a:t>2022/10/29</a:t>
+              <a:t>2023/2/4</a:t>
             </a:fld>
             <a:endParaRPr kumimoji="1" lang="zh-CN" altLang="en-US"/>
           </a:p>
@@ -1241,7 +1241,7 @@
           <a:p>
             <a:fld id="{43154C27-DF14-C749-8275-2CAAA9F43E1D}" type="datetimeFigureOut">
               <a:rPr kumimoji="1" lang="zh-CN" altLang="en-US" smtClean="0"/>
-              <a:t>2022/10/29</a:t>
+              <a:t>2023/2/4</a:t>
             </a:fld>
             <a:endParaRPr kumimoji="1" lang="zh-CN" altLang="en-US"/>
           </a:p>
@@ -1608,7 +1608,7 @@
           <a:p>
             <a:fld id="{43154C27-DF14-C749-8275-2CAAA9F43E1D}" type="datetimeFigureOut">
               <a:rPr kumimoji="1" lang="zh-CN" altLang="en-US" smtClean="0"/>
-              <a:t>2022/10/29</a:t>
+              <a:t>2023/2/4</a:t>
             </a:fld>
             <a:endParaRPr kumimoji="1" lang="zh-CN" altLang="en-US"/>
           </a:p>
@@ -1726,7 +1726,7 @@
           <a:p>
             <a:fld id="{43154C27-DF14-C749-8275-2CAAA9F43E1D}" type="datetimeFigureOut">
               <a:rPr kumimoji="1" lang="zh-CN" altLang="en-US" smtClean="0"/>
-              <a:t>2022/10/29</a:t>
+              <a:t>2023/2/4</a:t>
             </a:fld>
             <a:endParaRPr kumimoji="1" lang="zh-CN" altLang="en-US"/>
           </a:p>
@@ -1821,7 +1821,7 @@
           <a:p>
             <a:fld id="{43154C27-DF14-C749-8275-2CAAA9F43E1D}" type="datetimeFigureOut">
               <a:rPr kumimoji="1" lang="zh-CN" altLang="en-US" smtClean="0"/>
-              <a:t>2022/10/29</a:t>
+              <a:t>2023/2/4</a:t>
             </a:fld>
             <a:endParaRPr kumimoji="1" lang="zh-CN" altLang="en-US"/>
           </a:p>
@@ -2098,7 +2098,7 @@
           <a:p>
             <a:fld id="{43154C27-DF14-C749-8275-2CAAA9F43E1D}" type="datetimeFigureOut">
               <a:rPr kumimoji="1" lang="zh-CN" altLang="en-US" smtClean="0"/>
-              <a:t>2022/10/29</a:t>
+              <a:t>2023/2/4</a:t>
             </a:fld>
             <a:endParaRPr kumimoji="1" lang="zh-CN" altLang="en-US"/>
           </a:p>
@@ -2355,7 +2355,7 @@
           <a:p>
             <a:fld id="{43154C27-DF14-C749-8275-2CAAA9F43E1D}" type="datetimeFigureOut">
               <a:rPr kumimoji="1" lang="zh-CN" altLang="en-US" smtClean="0"/>
-              <a:t>2022/10/29</a:t>
+              <a:t>2023/2/4</a:t>
             </a:fld>
             <a:endParaRPr kumimoji="1" lang="zh-CN" altLang="en-US"/>
           </a:p>
@@ -2568,7 +2568,7 @@
           <a:p>
             <a:fld id="{43154C27-DF14-C749-8275-2CAAA9F43E1D}" type="datetimeFigureOut">
               <a:rPr kumimoji="1" lang="zh-CN" altLang="en-US" smtClean="0"/>
-              <a:t>2022/10/29</a:t>
+              <a:t>2023/2/4</a:t>
             </a:fld>
             <a:endParaRPr kumimoji="1" lang="zh-CN" altLang="en-US"/>
           </a:p>
@@ -3085,7 +3085,7 @@
       </p:sp>
       <p:pic>
         <p:nvPicPr>
-          <p:cNvPr id="11" name="图片 10" descr="紫色的灯光&#10;&#10;低可信度描述已自动生成">
+          <p:cNvPr id="11" name="图片 10">
             <a:extLst>
               <a:ext uri="{FF2B5EF4-FFF2-40B4-BE49-F238E27FC236}">
                 <a16:creationId xmlns:a16="http://schemas.microsoft.com/office/drawing/2014/main" id="{7222E52F-79C7-D6BA-0700-046E71AC9BFB}"/>
@@ -3099,14 +3099,13 @@
         </p:nvPicPr>
         <p:blipFill>
           <a:blip r:embed="rId2"/>
-          <a:stretch>
-            <a:fillRect/>
-          </a:stretch>
+          <a:srcRect/>
+          <a:stretch/>
         </p:blipFill>
         <p:spPr>
           <a:xfrm>
-            <a:off x="373863" y="829582"/>
-            <a:ext cx="2222882" cy="2236191"/>
+            <a:off x="373863" y="830293"/>
+            <a:ext cx="2222882" cy="2234769"/>
           </a:xfrm>
           <a:prstGeom prst="rect">
             <a:avLst/>
@@ -3129,9 +3128,8 @@
         </p:nvPicPr>
         <p:blipFill>
           <a:blip r:embed="rId3"/>
-          <a:stretch>
-            <a:fillRect/>
-          </a:stretch>
+          <a:srcRect/>
+          <a:stretch/>
         </p:blipFill>
         <p:spPr>
           <a:xfrm>
@@ -3379,15 +3377,14 @@
           </p:cNvPr>
           <p:cNvCxnSpPr>
             <a:cxnSpLocks/>
-            <a:stCxn id="7" idx="3"/>
             <a:endCxn id="68" idx="1"/>
           </p:cNvCxnSpPr>
           <p:nvPr/>
         </p:nvCxnSpPr>
         <p:spPr>
-          <a:xfrm flipV="1">
-            <a:off x="4653214" y="4325460"/>
-            <a:ext cx="2383467" cy="12252"/>
+          <a:xfrm>
+            <a:off x="4653209" y="4337712"/>
+            <a:ext cx="2310286" cy="1857"/>
           </a:xfrm>
           <a:prstGeom prst="straightConnector1">
             <a:avLst/>
@@ -3662,7 +3659,6 @@
           </p:cNvPr>
           <p:cNvCxnSpPr>
             <a:cxnSpLocks/>
-            <a:endCxn id="7" idx="1"/>
           </p:cNvCxnSpPr>
           <p:nvPr/>
         </p:nvCxnSpPr>
@@ -3824,9 +3820,8 @@
           </p:nvPicPr>
           <p:blipFill>
             <a:blip r:embed="rId3"/>
-            <a:stretch>
-              <a:fillRect/>
-            </a:stretch>
+            <a:srcRect/>
+            <a:stretch/>
           </p:blipFill>
           <p:spPr>
             <a:xfrm>
@@ -4039,7 +4034,7 @@
             <a:p>
               <a:pPr algn="ctr"/>
               <a:r>
-                <a:rPr kumimoji="1" lang="en-US" altLang="zh-CN" sz="2000" dirty="0">
+                <a:rPr kumimoji="1" lang="en-US" altLang="zh-CN" sz="2000" b="1" dirty="0">
                   <a:solidFill>
                     <a:schemeClr val="tx1"/>
                   </a:solidFill>
@@ -4047,7 +4042,7 @@
                 </a:rPr>
                 <a:t>deblurring</a:t>
               </a:r>
-              <a:endParaRPr kumimoji="1" lang="zh-CN" altLang="en-US" sz="2000" dirty="0">
+              <a:endParaRPr kumimoji="1" lang="zh-CN" altLang="en-US" sz="2000" b="1" dirty="0">
                 <a:solidFill>
                   <a:schemeClr val="tx1"/>
                 </a:solidFill>
@@ -4102,7 +4097,7 @@
             <a:p>
               <a:pPr algn="ctr"/>
               <a:r>
-                <a:rPr kumimoji="1" lang="en-US" altLang="zh-CN" sz="2000" dirty="0">
+                <a:rPr kumimoji="1" lang="en-US" altLang="zh-CN" sz="2000" b="1" dirty="0">
                   <a:solidFill>
                     <a:schemeClr val="tx1"/>
                   </a:solidFill>
@@ -4110,7 +4105,7 @@
                 </a:rPr>
                 <a:t>denoising network</a:t>
               </a:r>
-              <a:endParaRPr kumimoji="1" lang="zh-CN" altLang="en-US" sz="2000" dirty="0">
+              <a:endParaRPr kumimoji="1" lang="zh-CN" altLang="en-US" sz="2000" b="1" dirty="0">
                 <a:solidFill>
                   <a:schemeClr val="tx1"/>
                 </a:solidFill>
@@ -4149,14 +4144,14 @@
             <a:p>
               <a:pPr algn="ctr"/>
               <a:r>
-                <a:rPr kumimoji="1" lang="en-US" altLang="zh-CN" sz="2083" b="1" dirty="0">
+                <a:rPr kumimoji="1" lang="en-US" altLang="zh-CN" sz="2100" b="1" dirty="0">
                   <a:latin typeface="Helvetica" pitchFamily="2" charset="0"/>
                   <a:ea typeface="Menlo" panose="020B0609030804020204" pitchFamily="49" charset="0"/>
                   <a:cs typeface="Menlo" panose="020B0609030804020204" pitchFamily="49" charset="0"/>
                 </a:rPr>
                 <a:t>Layer 1</a:t>
               </a:r>
-              <a:endParaRPr kumimoji="1" lang="zh-CN" altLang="en-US" sz="2083" b="1" dirty="0">
+              <a:endParaRPr kumimoji="1" lang="zh-CN" altLang="en-US" sz="2100" b="1" dirty="0">
                 <a:latin typeface="Helvetica" pitchFamily="2" charset="0"/>
                 <a:cs typeface="Menlo" panose="020B0609030804020204" pitchFamily="49" charset="0"/>
               </a:endParaRPr>
@@ -4259,15 +4254,15 @@
             <a:p>
               <a:pPr algn="ctr"/>
               <a:r>
-                <a:rPr kumimoji="1" lang="en-US" altLang="zh-CN" sz="2000" dirty="0">
+                <a:rPr kumimoji="1" lang="en-US" altLang="zh-CN" sz="2000" b="1" dirty="0">
                   <a:solidFill>
                     <a:schemeClr val="tx1"/>
                   </a:solidFill>
                   <a:cs typeface="Menlo" panose="020B0609030804020204" pitchFamily="49" charset="0"/>
                 </a:rPr>
-                <a:t>Poisson noise model</a:t>
+                <a:t>Gaussian MLE</a:t>
               </a:r>
-              <a:endParaRPr kumimoji="1" lang="zh-CN" altLang="en-US" sz="2000" dirty="0">
+              <a:endParaRPr kumimoji="1" lang="zh-CN" altLang="en-US" sz="2000" b="1" dirty="0">
                 <a:solidFill>
                   <a:schemeClr val="tx1"/>
                 </a:solidFill>
@@ -4336,8 +4331,8 @@
         </p:nvSpPr>
         <p:spPr>
           <a:xfrm>
-            <a:off x="7036681" y="3928900"/>
-            <a:ext cx="1118915" cy="793120"/>
+            <a:off x="6963495" y="3943009"/>
+            <a:ext cx="1203467" cy="793120"/>
           </a:xfrm>
           <a:prstGeom prst="roundRect">
             <a:avLst/>
@@ -4462,7 +4457,7 @@
           <a:p>
             <a:pPr algn="ctr"/>
             <a:r>
-              <a:rPr kumimoji="1" lang="en-US" altLang="zh-CN" sz="1570" dirty="0">
+              <a:rPr kumimoji="1" lang="en-US" altLang="zh-CN" sz="1570" b="1" dirty="0">
                 <a:solidFill>
                   <a:schemeClr val="tx1"/>
                 </a:solidFill>
@@ -4470,7 +4465,7 @@
               </a:rPr>
               <a:t>parameter network</a:t>
             </a:r>
-            <a:endParaRPr kumimoji="1" lang="zh-CN" altLang="en-US" sz="1570" dirty="0">
+            <a:endParaRPr kumimoji="1" lang="zh-CN" altLang="en-US" sz="1570" b="1" dirty="0">
               <a:solidFill>
                 <a:schemeClr val="tx1"/>
               </a:solidFill>
@@ -4497,8 +4492,8 @@
         </p:nvCxnSpPr>
         <p:spPr>
           <a:xfrm flipV="1">
-            <a:off x="8155596" y="2416964"/>
-            <a:ext cx="467603" cy="1908496"/>
+            <a:off x="8166962" y="2416969"/>
+            <a:ext cx="456237" cy="1922600"/>
           </a:xfrm>
           <a:prstGeom prst="bentConnector3">
             <a:avLst>
@@ -4552,8 +4547,8 @@
         </p:nvCxnSpPr>
         <p:spPr>
           <a:xfrm>
-            <a:off x="8155591" y="4325460"/>
-            <a:ext cx="467602" cy="226664"/>
+            <a:off x="8166962" y="4339569"/>
+            <a:ext cx="456236" cy="212560"/>
           </a:xfrm>
           <a:prstGeom prst="bentConnector3">
             <a:avLst>
@@ -5023,35 +5018,6 @@
           </a:fontRef>
         </p:style>
       </p:cxnSp>
-      <p:pic>
-        <p:nvPicPr>
-          <p:cNvPr id="7" name="图片 6">
-            <a:extLst>
-              <a:ext uri="{FF2B5EF4-FFF2-40B4-BE49-F238E27FC236}">
-                <a16:creationId xmlns:a16="http://schemas.microsoft.com/office/drawing/2014/main" id="{D6FD2558-F755-CEF2-9E2E-BA3F3B0E093E}"/>
-              </a:ext>
-            </a:extLst>
-          </p:cNvPr>
-          <p:cNvPicPr>
-            <a:picLocks noChangeAspect="1"/>
-          </p:cNvPicPr>
-          <p:nvPr/>
-        </p:nvPicPr>
-        <p:blipFill>
-          <a:blip r:embed="rId6"/>
-          <a:srcRect/>
-          <a:stretch/>
-        </p:blipFill>
-        <p:spPr>
-          <a:xfrm>
-            <a:off x="3311907" y="3667061"/>
-            <a:ext cx="1341302" cy="1341302"/>
-          </a:xfrm>
-          <a:prstGeom prst="rect">
-            <a:avLst/>
-          </a:prstGeom>
-        </p:spPr>
-      </p:pic>
       <p:cxnSp>
         <p:nvCxnSpPr>
           <p:cNvPr id="277" name="直线箭头连接符 85">
@@ -5112,10 +5078,9 @@
           <p:nvPr/>
         </p:nvPicPr>
         <p:blipFill>
-          <a:blip r:embed="rId7"/>
-          <a:stretch>
-            <a:fillRect/>
-          </a:stretch>
+          <a:blip r:embed="rId6"/>
+          <a:srcRect/>
+          <a:stretch/>
         </p:blipFill>
         <p:spPr>
           <a:xfrm>
@@ -5423,7 +5388,7 @@
             <a:p>
               <a:pPr algn="ctr"/>
               <a:r>
-                <a:rPr kumimoji="1" lang="en-US" altLang="zh-CN" sz="2000" dirty="0">
+                <a:rPr kumimoji="1" lang="en-US" altLang="zh-CN" sz="2000" b="1" dirty="0">
                   <a:solidFill>
                     <a:schemeClr val="tx1"/>
                   </a:solidFill>
@@ -5431,7 +5396,7 @@
                 </a:rPr>
                 <a:t>deblurring</a:t>
               </a:r>
-              <a:endParaRPr kumimoji="1" lang="zh-CN" altLang="en-US" sz="2000" dirty="0">
+              <a:endParaRPr kumimoji="1" lang="zh-CN" altLang="en-US" sz="2000" b="1" dirty="0">
                 <a:solidFill>
                   <a:schemeClr val="tx1"/>
                 </a:solidFill>
@@ -5486,7 +5451,7 @@
             <a:p>
               <a:pPr algn="ctr"/>
               <a:r>
-                <a:rPr kumimoji="1" lang="en-US" altLang="zh-CN" sz="2000" dirty="0">
+                <a:rPr kumimoji="1" lang="en-US" altLang="zh-CN" sz="2000" b="1" dirty="0">
                   <a:solidFill>
                     <a:schemeClr val="tx1"/>
                   </a:solidFill>
@@ -5494,7 +5459,7 @@
                 </a:rPr>
                 <a:t>denoising network</a:t>
               </a:r>
-              <a:endParaRPr kumimoji="1" lang="zh-CN" altLang="en-US" sz="2000" dirty="0">
+              <a:endParaRPr kumimoji="1" lang="zh-CN" altLang="en-US" sz="2000" b="1" dirty="0">
                 <a:solidFill>
                   <a:schemeClr val="tx1"/>
                 </a:solidFill>
@@ -5533,14 +5498,14 @@
             <a:p>
               <a:pPr algn="ctr"/>
               <a:r>
-                <a:rPr kumimoji="1" lang="en-US" altLang="zh-CN" sz="2083" b="1" dirty="0">
+                <a:rPr kumimoji="1" lang="en-US" altLang="zh-CN" sz="2100" b="1" dirty="0">
                   <a:latin typeface="Helvetica" pitchFamily="2" charset="0"/>
                   <a:ea typeface="Menlo" panose="020B0609030804020204" pitchFamily="49" charset="0"/>
                   <a:cs typeface="Menlo" panose="020B0609030804020204" pitchFamily="49" charset="0"/>
                 </a:rPr>
                 <a:t>Layer 2</a:t>
               </a:r>
-              <a:endParaRPr kumimoji="1" lang="zh-CN" altLang="en-US" sz="2083" b="1" dirty="0">
+              <a:endParaRPr kumimoji="1" lang="zh-CN" altLang="en-US" sz="2100" b="1" dirty="0">
                 <a:latin typeface="Helvetica" pitchFamily="2" charset="0"/>
                 <a:cs typeface="Menlo" panose="020B0609030804020204" pitchFamily="49" charset="0"/>
               </a:endParaRPr>
@@ -5643,15 +5608,15 @@
             <a:p>
               <a:pPr algn="ctr"/>
               <a:r>
-                <a:rPr kumimoji="1" lang="en-US" altLang="zh-CN" sz="2000" dirty="0">
+                <a:rPr kumimoji="1" lang="en-US" altLang="zh-CN" sz="2000" b="1" dirty="0">
                   <a:solidFill>
                     <a:schemeClr val="tx1"/>
                   </a:solidFill>
                   <a:cs typeface="Menlo" panose="020B0609030804020204" pitchFamily="49" charset="0"/>
                 </a:rPr>
-                <a:t>Poisson noise model</a:t>
+                <a:t>Gaussian MLE</a:t>
               </a:r>
-              <a:endParaRPr kumimoji="1" lang="zh-CN" altLang="en-US" sz="2000" dirty="0">
+              <a:endParaRPr kumimoji="1" lang="zh-CN" altLang="en-US" sz="2000" b="1" dirty="0">
                 <a:solidFill>
                   <a:schemeClr val="tx1"/>
                 </a:solidFill>
@@ -5968,7 +5933,7 @@
             <a:p>
               <a:pPr algn="ctr"/>
               <a:r>
-                <a:rPr kumimoji="1" lang="en-US" altLang="zh-CN" sz="2000" dirty="0">
+                <a:rPr kumimoji="1" lang="en-US" altLang="zh-CN" sz="2000" b="1" dirty="0">
                   <a:solidFill>
                     <a:schemeClr val="tx1"/>
                   </a:solidFill>
@@ -5976,7 +5941,7 @@
                 </a:rPr>
                 <a:t>deblurring</a:t>
               </a:r>
-              <a:endParaRPr kumimoji="1" lang="zh-CN" altLang="en-US" sz="2000" dirty="0">
+              <a:endParaRPr kumimoji="1" lang="zh-CN" altLang="en-US" sz="2000" b="1" dirty="0">
                 <a:solidFill>
                   <a:schemeClr val="tx1"/>
                 </a:solidFill>
@@ -6031,7 +5996,7 @@
             <a:p>
               <a:pPr algn="ctr"/>
               <a:r>
-                <a:rPr kumimoji="1" lang="en-US" altLang="zh-CN" sz="2000" dirty="0">
+                <a:rPr kumimoji="1" lang="en-US" altLang="zh-CN" sz="2000" b="1" dirty="0">
                   <a:solidFill>
                     <a:schemeClr val="tx1"/>
                   </a:solidFill>
@@ -6039,7 +6004,7 @@
                 </a:rPr>
                 <a:t>denoising network</a:t>
               </a:r>
-              <a:endParaRPr kumimoji="1" lang="zh-CN" altLang="en-US" sz="2000" dirty="0">
+              <a:endParaRPr kumimoji="1" lang="zh-CN" altLang="en-US" sz="2000" b="1" dirty="0">
                 <a:solidFill>
                   <a:schemeClr val="tx1"/>
                 </a:solidFill>
@@ -6078,14 +6043,14 @@
             <a:p>
               <a:pPr algn="ctr"/>
               <a:r>
-                <a:rPr kumimoji="1" lang="en-US" altLang="zh-CN" sz="2083" b="1" dirty="0">
+                <a:rPr kumimoji="1" lang="en-US" altLang="zh-CN" sz="2100" b="1" dirty="0">
                   <a:latin typeface="Helvetica" pitchFamily="2" charset="0"/>
                   <a:ea typeface="Menlo" panose="020B0609030804020204" pitchFamily="49" charset="0"/>
                   <a:cs typeface="Menlo" panose="020B0609030804020204" pitchFamily="49" charset="0"/>
                 </a:rPr>
                 <a:t>Layer N</a:t>
               </a:r>
-              <a:endParaRPr kumimoji="1" lang="zh-CN" altLang="en-US" sz="2083" b="1" dirty="0">
+              <a:endParaRPr kumimoji="1" lang="zh-CN" altLang="en-US" sz="2100" b="1" dirty="0">
                 <a:latin typeface="Helvetica" pitchFamily="2" charset="0"/>
                 <a:cs typeface="Menlo" panose="020B0609030804020204" pitchFamily="49" charset="0"/>
               </a:endParaRPr>
@@ -6188,15 +6153,15 @@
             <a:p>
               <a:pPr algn="ctr"/>
               <a:r>
-                <a:rPr kumimoji="1" lang="en-US" altLang="zh-CN" sz="2000" dirty="0">
+                <a:rPr kumimoji="1" lang="en-US" altLang="zh-CN" sz="2000" b="1" dirty="0">
                   <a:solidFill>
                     <a:schemeClr val="tx1"/>
                   </a:solidFill>
                   <a:cs typeface="Menlo" panose="020B0609030804020204" pitchFamily="49" charset="0"/>
                 </a:rPr>
-                <a:t>Poisson noise model</a:t>
+                <a:t>Gaussian MLE</a:t>
               </a:r>
-              <a:endParaRPr kumimoji="1" lang="zh-CN" altLang="en-US" sz="2000" dirty="0">
+              <a:endParaRPr kumimoji="1" lang="zh-CN" altLang="en-US" sz="2000" b="1" dirty="0">
                 <a:solidFill>
                   <a:schemeClr val="tx1"/>
                 </a:solidFill>
@@ -6791,6 +6756,36 @@
           </a:fontRef>
         </p:style>
       </p:cxnSp>
+      <p:pic>
+        <p:nvPicPr>
+          <p:cNvPr id="21" name="图片 20" descr="图片包含 星星, 夜空&#10;&#10;描述已自动生成">
+            <a:extLst>
+              <a:ext uri="{FF2B5EF4-FFF2-40B4-BE49-F238E27FC236}">
+                <a16:creationId xmlns:a16="http://schemas.microsoft.com/office/drawing/2014/main" id="{A8D7DBE2-C621-E434-A160-CC614EADE0DF}"/>
+              </a:ext>
+            </a:extLst>
+          </p:cNvPr>
+          <p:cNvPicPr>
+            <a:picLocks noChangeAspect="1"/>
+          </p:cNvPicPr>
+          <p:nvPr/>
+        </p:nvPicPr>
+        <p:blipFill>
+          <a:blip r:embed="rId7"/>
+          <a:stretch>
+            <a:fillRect/>
+          </a:stretch>
+        </p:blipFill>
+        <p:spPr>
+          <a:xfrm>
+            <a:off x="3297600" y="3660928"/>
+            <a:ext cx="1338009" cy="1338009"/>
+          </a:xfrm>
+          <a:prstGeom prst="rect">
+            <a:avLst/>
+          </a:prstGeom>
+        </p:spPr>
+      </p:pic>
     </p:spTree>
     <p:extLst>
       <p:ext uri="{BB962C8B-B14F-4D97-AF65-F5344CB8AC3E}">

--- a/figures/pipeline.pptx
+++ b/figures/pipeline.pptx
@@ -243,7 +243,7 @@
           <a:p>
             <a:fld id="{43154C27-DF14-C749-8275-2CAAA9F43E1D}" type="datetimeFigureOut">
               <a:rPr kumimoji="1" lang="zh-CN" altLang="en-US" smtClean="0"/>
-              <a:t>2023/2/4</a:t>
+              <a:t>2023/2/5</a:t>
             </a:fld>
             <a:endParaRPr kumimoji="1" lang="zh-CN" altLang="en-US"/>
           </a:p>
@@ -413,7 +413,7 @@
           <a:p>
             <a:fld id="{43154C27-DF14-C749-8275-2CAAA9F43E1D}" type="datetimeFigureOut">
               <a:rPr kumimoji="1" lang="zh-CN" altLang="en-US" smtClean="0"/>
-              <a:t>2023/2/4</a:t>
+              <a:t>2023/2/5</a:t>
             </a:fld>
             <a:endParaRPr kumimoji="1" lang="zh-CN" altLang="en-US"/>
           </a:p>
@@ -593,7 +593,7 @@
           <a:p>
             <a:fld id="{43154C27-DF14-C749-8275-2CAAA9F43E1D}" type="datetimeFigureOut">
               <a:rPr kumimoji="1" lang="zh-CN" altLang="en-US" smtClean="0"/>
-              <a:t>2023/2/4</a:t>
+              <a:t>2023/2/5</a:t>
             </a:fld>
             <a:endParaRPr kumimoji="1" lang="zh-CN" altLang="en-US"/>
           </a:p>
@@ -763,7 +763,7 @@
           <a:p>
             <a:fld id="{43154C27-DF14-C749-8275-2CAAA9F43E1D}" type="datetimeFigureOut">
               <a:rPr kumimoji="1" lang="zh-CN" altLang="en-US" smtClean="0"/>
-              <a:t>2023/2/4</a:t>
+              <a:t>2023/2/5</a:t>
             </a:fld>
             <a:endParaRPr kumimoji="1" lang="zh-CN" altLang="en-US"/>
           </a:p>
@@ -1009,7 +1009,7 @@
           <a:p>
             <a:fld id="{43154C27-DF14-C749-8275-2CAAA9F43E1D}" type="datetimeFigureOut">
               <a:rPr kumimoji="1" lang="zh-CN" altLang="en-US" smtClean="0"/>
-              <a:t>2023/2/4</a:t>
+              <a:t>2023/2/5</a:t>
             </a:fld>
             <a:endParaRPr kumimoji="1" lang="zh-CN" altLang="en-US"/>
           </a:p>
@@ -1241,7 +1241,7 @@
           <a:p>
             <a:fld id="{43154C27-DF14-C749-8275-2CAAA9F43E1D}" type="datetimeFigureOut">
               <a:rPr kumimoji="1" lang="zh-CN" altLang="en-US" smtClean="0"/>
-              <a:t>2023/2/4</a:t>
+              <a:t>2023/2/5</a:t>
             </a:fld>
             <a:endParaRPr kumimoji="1" lang="zh-CN" altLang="en-US"/>
           </a:p>
@@ -1608,7 +1608,7 @@
           <a:p>
             <a:fld id="{43154C27-DF14-C749-8275-2CAAA9F43E1D}" type="datetimeFigureOut">
               <a:rPr kumimoji="1" lang="zh-CN" altLang="en-US" smtClean="0"/>
-              <a:t>2023/2/4</a:t>
+              <a:t>2023/2/5</a:t>
             </a:fld>
             <a:endParaRPr kumimoji="1" lang="zh-CN" altLang="en-US"/>
           </a:p>
@@ -1726,7 +1726,7 @@
           <a:p>
             <a:fld id="{43154C27-DF14-C749-8275-2CAAA9F43E1D}" type="datetimeFigureOut">
               <a:rPr kumimoji="1" lang="zh-CN" altLang="en-US" smtClean="0"/>
-              <a:t>2023/2/4</a:t>
+              <a:t>2023/2/5</a:t>
             </a:fld>
             <a:endParaRPr kumimoji="1" lang="zh-CN" altLang="en-US"/>
           </a:p>
@@ -1821,7 +1821,7 @@
           <a:p>
             <a:fld id="{43154C27-DF14-C749-8275-2CAAA9F43E1D}" type="datetimeFigureOut">
               <a:rPr kumimoji="1" lang="zh-CN" altLang="en-US" smtClean="0"/>
-              <a:t>2023/2/4</a:t>
+              <a:t>2023/2/5</a:t>
             </a:fld>
             <a:endParaRPr kumimoji="1" lang="zh-CN" altLang="en-US"/>
           </a:p>
@@ -2098,7 +2098,7 @@
           <a:p>
             <a:fld id="{43154C27-DF14-C749-8275-2CAAA9F43E1D}" type="datetimeFigureOut">
               <a:rPr kumimoji="1" lang="zh-CN" altLang="en-US" smtClean="0"/>
-              <a:t>2023/2/4</a:t>
+              <a:t>2023/2/5</a:t>
             </a:fld>
             <a:endParaRPr kumimoji="1" lang="zh-CN" altLang="en-US"/>
           </a:p>
@@ -2355,7 +2355,7 @@
           <a:p>
             <a:fld id="{43154C27-DF14-C749-8275-2CAAA9F43E1D}" type="datetimeFigureOut">
               <a:rPr kumimoji="1" lang="zh-CN" altLang="en-US" smtClean="0"/>
-              <a:t>2023/2/4</a:t>
+              <a:t>2023/2/5</a:t>
             </a:fld>
             <a:endParaRPr kumimoji="1" lang="zh-CN" altLang="en-US"/>
           </a:p>
@@ -2568,7 +2568,7 @@
           <a:p>
             <a:fld id="{43154C27-DF14-C749-8275-2CAAA9F43E1D}" type="datetimeFigureOut">
               <a:rPr kumimoji="1" lang="zh-CN" altLang="en-US" smtClean="0"/>
-              <a:t>2023/2/4</a:t>
+              <a:t>2023/2/5</a:t>
             </a:fld>
             <a:endParaRPr kumimoji="1" lang="zh-CN" altLang="en-US"/>
           </a:p>
@@ -2975,6 +2975,51 @@
       </p:grpSpPr>
       <p:sp>
         <p:nvSpPr>
+          <p:cNvPr id="215" name="文本框 214">
+            <a:extLst>
+              <a:ext uri="{FF2B5EF4-FFF2-40B4-BE49-F238E27FC236}">
+                <a16:creationId xmlns:a16="http://schemas.microsoft.com/office/drawing/2014/main" id="{1D01B6E8-AFD0-5405-9C75-2E8AC64EF74A}"/>
+              </a:ext>
+            </a:extLst>
+          </p:cNvPr>
+          <p:cNvSpPr txBox="1"/>
+          <p:nvPr/>
+        </p:nvSpPr>
+        <p:spPr>
+          <a:xfrm>
+            <a:off x="3837758" y="2599533"/>
+            <a:ext cx="1174913" cy="552897"/>
+          </a:xfrm>
+          <a:prstGeom prst="rect">
+            <a:avLst/>
+          </a:prstGeom>
+          <a:noFill/>
+        </p:spPr>
+        <p:txBody>
+          <a:bodyPr wrap="square" rtlCol="0">
+            <a:spAutoFit/>
+          </a:bodyPr>
+          <a:lstStyle/>
+          <a:p>
+            <a:pPr algn="ctr"/>
+            <a:r>
+              <a:rPr kumimoji="1" lang="en-US" altLang="zh-CN" sz="1458" dirty="0"/>
+              <a:t>Convolve,</a:t>
+            </a:r>
+            <a:endParaRPr kumimoji="1" lang="en-US" altLang="zh-CN" sz="500" dirty="0"/>
+          </a:p>
+          <a:p>
+            <a:pPr algn="ctr"/>
+            <a:r>
+              <a:rPr kumimoji="1" lang="en-US" altLang="zh-CN" sz="1458" dirty="0"/>
+              <a:t>add noise</a:t>
+            </a:r>
+            <a:endParaRPr kumimoji="1" lang="zh-CN" altLang="en-US" sz="1458" dirty="0"/>
+          </a:p>
+        </p:txBody>
+      </p:sp>
+      <p:sp>
+        <p:nvSpPr>
           <p:cNvPr id="187" name="圆角矩形 186">
             <a:extLst>
               <a:ext uri="{FF2B5EF4-FFF2-40B4-BE49-F238E27FC236}">
@@ -2987,8 +3032,8 @@
         </p:nvSpPr>
         <p:spPr>
           <a:xfrm>
-            <a:off x="160510" y="487504"/>
-            <a:ext cx="6307315" cy="4868103"/>
+            <a:off x="160510" y="509688"/>
+            <a:ext cx="6307315" cy="4845919"/>
           </a:xfrm>
           <a:prstGeom prst="roundRect">
             <a:avLst/>
@@ -3042,8 +3087,8 @@
         </p:nvSpPr>
         <p:spPr>
           <a:xfrm>
-            <a:off x="6666345" y="490500"/>
-            <a:ext cx="8628969" cy="4865060"/>
+            <a:off x="6567975" y="490547"/>
+            <a:ext cx="8947428" cy="4865060"/>
           </a:xfrm>
           <a:prstGeom prst="roundRect">
             <a:avLst/>
@@ -3203,8 +3248,8 @@
         </p:nvCxnSpPr>
         <p:spPr>
           <a:xfrm>
-            <a:off x="3857227" y="2647306"/>
-            <a:ext cx="1093839" cy="0"/>
+            <a:off x="3969914" y="2647306"/>
+            <a:ext cx="981152" cy="0"/>
           </a:xfrm>
           <a:prstGeom prst="straightConnector1">
             <a:avLst/>
@@ -3243,13 +3288,14 @@
           </p:cNvPr>
           <p:cNvCxnSpPr>
             <a:cxnSpLocks/>
+            <a:stCxn id="13" idx="2"/>
           </p:cNvCxnSpPr>
           <p:nvPr/>
         </p:nvCxnSpPr>
         <p:spPr>
-          <a:xfrm flipH="1">
-            <a:off x="3842158" y="2148746"/>
-            <a:ext cx="0" cy="513936"/>
+          <a:xfrm>
+            <a:off x="3969914" y="2170879"/>
+            <a:ext cx="0" cy="485023"/>
           </a:xfrm>
           <a:prstGeom prst="straightConnector1">
             <a:avLst/>
@@ -3294,8 +3340,8 @@
         </p:nvCxnSpPr>
         <p:spPr>
           <a:xfrm rot="5400000" flipH="1" flipV="1">
-            <a:off x="9187298" y="-2799888"/>
-            <a:ext cx="1394177" cy="8538946"/>
+            <a:off x="9291920" y="-2915355"/>
+            <a:ext cx="1405018" cy="8759039"/>
           </a:xfrm>
           <a:prstGeom prst="bentConnector2">
             <a:avLst/>
@@ -3337,7 +3383,7 @@
         </p:nvCxnSpPr>
         <p:spPr>
           <a:xfrm>
-            <a:off x="6790845" y="1098455"/>
+            <a:off x="6667200" y="1098497"/>
             <a:ext cx="0" cy="3237137"/>
           </a:xfrm>
           <a:prstGeom prst="straightConnector1">
@@ -3377,14 +3423,15 @@
           </p:cNvPr>
           <p:cNvCxnSpPr>
             <a:cxnSpLocks/>
+            <a:stCxn id="21" idx="3"/>
             <a:endCxn id="68" idx="1"/>
           </p:cNvCxnSpPr>
           <p:nvPr/>
         </p:nvCxnSpPr>
         <p:spPr>
           <a:xfrm>
-            <a:off x="4653209" y="4337712"/>
-            <a:ext cx="2310286" cy="1857"/>
+            <a:off x="4635609" y="4329933"/>
+            <a:ext cx="2175591" cy="9683"/>
           </a:xfrm>
           <a:prstGeom prst="straightConnector1">
             <a:avLst/>
@@ -3427,7 +3474,7 @@
         </p:nvSpPr>
         <p:spPr>
           <a:xfrm>
-            <a:off x="8056934" y="9300"/>
+            <a:off x="7885152" y="27208"/>
             <a:ext cx="5847789" cy="487503"/>
           </a:xfrm>
           <a:prstGeom prst="rect">
@@ -3471,8 +3518,8 @@
         </p:nvSpPr>
         <p:spPr>
           <a:xfrm>
-            <a:off x="731623" y="0"/>
-            <a:ext cx="5022330" cy="487503"/>
+            <a:off x="1047199" y="0"/>
+            <a:ext cx="4578931" cy="487503"/>
           </a:xfrm>
           <a:prstGeom prst="rect">
             <a:avLst/>
@@ -3739,51 +3786,6 @@
           </a:fontRef>
         </p:style>
       </p:cxnSp>
-      <p:sp>
-        <p:nvSpPr>
-          <p:cNvPr id="215" name="文本框 214">
-            <a:extLst>
-              <a:ext uri="{FF2B5EF4-FFF2-40B4-BE49-F238E27FC236}">
-                <a16:creationId xmlns:a16="http://schemas.microsoft.com/office/drawing/2014/main" id="{1D01B6E8-AFD0-5405-9C75-2E8AC64EF74A}"/>
-              </a:ext>
-            </a:extLst>
-          </p:cNvPr>
-          <p:cNvSpPr txBox="1"/>
-          <p:nvPr/>
-        </p:nvSpPr>
-        <p:spPr>
-          <a:xfrm>
-            <a:off x="3837758" y="2599533"/>
-            <a:ext cx="1174913" cy="552897"/>
-          </a:xfrm>
-          <a:prstGeom prst="rect">
-            <a:avLst/>
-          </a:prstGeom>
-          <a:noFill/>
-        </p:spPr>
-        <p:txBody>
-          <a:bodyPr wrap="square" rtlCol="0">
-            <a:spAutoFit/>
-          </a:bodyPr>
-          <a:lstStyle/>
-          <a:p>
-            <a:pPr algn="ctr"/>
-            <a:r>
-              <a:rPr kumimoji="1" lang="en-US" altLang="zh-CN" sz="1458" dirty="0"/>
-              <a:t>Convolve,</a:t>
-            </a:r>
-            <a:endParaRPr kumimoji="1" lang="en-US" altLang="zh-CN" sz="500" dirty="0"/>
-          </a:p>
-          <a:p>
-            <a:pPr algn="ctr"/>
-            <a:r>
-              <a:rPr kumimoji="1" lang="en-US" altLang="zh-CN" sz="1458" dirty="0"/>
-              <a:t>add noise</a:t>
-            </a:r>
-            <a:endParaRPr kumimoji="1" lang="zh-CN" altLang="en-US" sz="1458" dirty="0"/>
-          </a:p>
-        </p:txBody>
-      </p:sp>
       <p:grpSp>
         <p:nvGrpSpPr>
           <p:cNvPr id="64" name="Group 63">
@@ -3887,8 +3889,8 @@
         </p:nvCxnSpPr>
         <p:spPr>
           <a:xfrm>
-            <a:off x="6783966" y="1098450"/>
-            <a:ext cx="7149389" cy="0"/>
+            <a:off x="6750000" y="1098497"/>
+            <a:ext cx="7351408" cy="0"/>
           </a:xfrm>
           <a:prstGeom prst="straightConnector1">
             <a:avLst/>
@@ -3930,7 +3932,7 @@
         </p:nvGrpSpPr>
         <p:grpSpPr>
           <a:xfrm>
-            <a:off x="8485125" y="761610"/>
+            <a:off x="8704800" y="761657"/>
             <a:ext cx="1849465" cy="4327585"/>
             <a:chOff x="7784618" y="1474472"/>
             <a:chExt cx="1809824" cy="4234829"/>
@@ -4331,8 +4333,8 @@
         </p:nvSpPr>
         <p:spPr>
           <a:xfrm>
-            <a:off x="6963495" y="3943009"/>
-            <a:ext cx="1203467" cy="793120"/>
+            <a:off x="6811200" y="3943056"/>
+            <a:ext cx="1681297" cy="793120"/>
           </a:xfrm>
           <a:prstGeom prst="roundRect">
             <a:avLst/>
@@ -4457,15 +4459,15 @@
           <a:p>
             <a:pPr algn="ctr"/>
             <a:r>
-              <a:rPr kumimoji="1" lang="en-US" altLang="zh-CN" sz="1570" b="1" dirty="0">
+              <a:rPr kumimoji="1" lang="en-US" altLang="zh-CN" sz="1650" b="1" dirty="0">
                 <a:solidFill>
                   <a:schemeClr val="tx1"/>
                 </a:solidFill>
                 <a:cs typeface="Menlo" panose="020B0609030804020204" pitchFamily="49" charset="0"/>
               </a:rPr>
-              <a:t>parameter network</a:t>
-            </a:r>
-            <a:endParaRPr kumimoji="1" lang="zh-CN" altLang="en-US" sz="1570" b="1" dirty="0">
+              <a:t>hyperparameter subnetwork</a:t>
+            </a:r>
+            <a:endParaRPr kumimoji="1" lang="zh-CN" altLang="en-US" sz="1650" b="1" dirty="0">
               <a:solidFill>
                 <a:schemeClr val="tx1"/>
               </a:solidFill>
@@ -4485,15 +4487,13 @@
           </p:cNvPr>
           <p:cNvCxnSpPr>
             <a:cxnSpLocks/>
-            <a:stCxn id="68" idx="3"/>
-            <a:endCxn id="30" idx="1"/>
           </p:cNvCxnSpPr>
           <p:nvPr/>
         </p:nvCxnSpPr>
         <p:spPr>
           <a:xfrm flipV="1">
-            <a:off x="8166962" y="2416969"/>
-            <a:ext cx="456237" cy="1922600"/>
+            <a:off x="8478000" y="2417016"/>
+            <a:ext cx="350377" cy="1922600"/>
           </a:xfrm>
           <a:prstGeom prst="bentConnector3">
             <a:avLst>
@@ -4540,15 +4540,13 @@
           </p:cNvPr>
           <p:cNvCxnSpPr>
             <a:cxnSpLocks/>
-            <a:stCxn id="68" idx="3"/>
-            <a:endCxn id="19" idx="1"/>
           </p:cNvCxnSpPr>
           <p:nvPr/>
         </p:nvCxnSpPr>
         <p:spPr>
           <a:xfrm>
-            <a:off x="8166962" y="4339569"/>
-            <a:ext cx="456236" cy="212560"/>
+            <a:off x="8478000" y="4339616"/>
+            <a:ext cx="350376" cy="212560"/>
           </a:xfrm>
           <a:prstGeom prst="bentConnector3">
             <a:avLst>
@@ -4600,7 +4598,7 @@
         </p:nvCxnSpPr>
         <p:spPr>
           <a:xfrm>
-            <a:off x="11173737" y="1314084"/>
+            <a:off x="11393825" y="1314131"/>
             <a:ext cx="0" cy="162612"/>
           </a:xfrm>
           <a:prstGeom prst="straightConnector1">
@@ -4645,7 +4643,7 @@
         </p:nvCxnSpPr>
         <p:spPr>
           <a:xfrm>
-            <a:off x="10485951" y="1314084"/>
+            <a:off x="10706039" y="1314131"/>
             <a:ext cx="695802" cy="0"/>
           </a:xfrm>
           <a:prstGeom prst="straightConnector1">
@@ -4691,7 +4689,7 @@
         </p:nvCxnSpPr>
         <p:spPr>
           <a:xfrm>
-            <a:off x="13653826" y="1321990"/>
+            <a:off x="13873914" y="1322037"/>
             <a:ext cx="0" cy="162612"/>
           </a:xfrm>
           <a:prstGeom prst="straightConnector1">
@@ -4736,7 +4734,7 @@
         </p:nvCxnSpPr>
         <p:spPr>
           <a:xfrm>
-            <a:off x="12679483" y="1321990"/>
+            <a:off x="12899571" y="1322037"/>
             <a:ext cx="982360" cy="0"/>
           </a:xfrm>
           <a:prstGeom prst="straightConnector1">
@@ -4782,7 +4780,7 @@
         </p:nvCxnSpPr>
         <p:spPr>
           <a:xfrm>
-            <a:off x="9406731" y="2665815"/>
+            <a:off x="9626819" y="2665862"/>
             <a:ext cx="0" cy="383285"/>
           </a:xfrm>
           <a:prstGeom prst="straightConnector1">
@@ -4827,7 +4825,7 @@
         </p:nvCxnSpPr>
         <p:spPr>
           <a:xfrm>
-            <a:off x="9415887" y="3938865"/>
+            <a:off x="9635975" y="3938912"/>
             <a:ext cx="0" cy="383285"/>
           </a:xfrm>
           <a:prstGeom prst="straightConnector1">
@@ -4939,13 +4937,14 @@
           </p:cNvPr>
           <p:cNvCxnSpPr>
             <a:cxnSpLocks/>
+            <a:endCxn id="21" idx="0"/>
           </p:cNvCxnSpPr>
           <p:nvPr/>
         </p:nvCxnSpPr>
         <p:spPr>
           <a:xfrm flipH="1">
-            <a:off x="3838804" y="3128450"/>
-            <a:ext cx="0" cy="513936"/>
+            <a:off x="3966605" y="3169280"/>
+            <a:ext cx="3309" cy="491648"/>
           </a:xfrm>
           <a:prstGeom prst="straightConnector1">
             <a:avLst/>
@@ -4989,8 +4988,8 @@
         </p:nvCxnSpPr>
         <p:spPr>
           <a:xfrm>
-            <a:off x="3838809" y="3116596"/>
-            <a:ext cx="1093839" cy="0"/>
+            <a:off x="3966605" y="3116596"/>
+            <a:ext cx="966043" cy="0"/>
           </a:xfrm>
           <a:prstGeom prst="straightConnector1">
             <a:avLst/>
@@ -5106,7 +5105,7 @@
         </p:nvSpPr>
         <p:spPr>
           <a:xfrm>
-            <a:off x="12810725" y="1165013"/>
+            <a:off x="13030813" y="1165060"/>
             <a:ext cx="529972" cy="322440"/>
           </a:xfrm>
           <a:prstGeom prst="rect">
@@ -5158,7 +5157,7 @@
         </p:nvSpPr>
         <p:spPr>
           <a:xfrm>
-            <a:off x="12739598" y="646592"/>
+            <a:off x="12959686" y="646639"/>
             <a:ext cx="698164" cy="978937"/>
           </a:xfrm>
           <a:prstGeom prst="rect">
@@ -5196,7 +5195,7 @@
         </p:nvCxnSpPr>
         <p:spPr>
           <a:xfrm>
-            <a:off x="11527569" y="2655855"/>
+            <a:off x="11747657" y="2655902"/>
             <a:ext cx="0" cy="383285"/>
           </a:xfrm>
           <a:prstGeom prst="straightConnector1">
@@ -5241,7 +5240,7 @@
         </p:nvCxnSpPr>
         <p:spPr>
           <a:xfrm>
-            <a:off x="11536725" y="3928905"/>
+            <a:off x="11756813" y="3928952"/>
             <a:ext cx="0" cy="383285"/>
           </a:xfrm>
           <a:prstGeom prst="straightConnector1">
@@ -5284,7 +5283,7 @@
         </p:nvGrpSpPr>
         <p:grpSpPr>
           <a:xfrm>
-            <a:off x="10588959" y="761610"/>
+            <a:off x="10809047" y="761657"/>
             <a:ext cx="1849465" cy="4327585"/>
             <a:chOff x="7784618" y="1474472"/>
             <a:chExt cx="1809824" cy="4234829"/>
@@ -5689,8 +5688,8 @@
         </p:nvCxnSpPr>
         <p:spPr>
           <a:xfrm>
-            <a:off x="10178840" y="2416964"/>
-            <a:ext cx="548188" cy="0"/>
+            <a:off x="10398520" y="2417016"/>
+            <a:ext cx="548601" cy="0"/>
           </a:xfrm>
           <a:prstGeom prst="straightConnector1">
             <a:avLst/>
@@ -5737,8 +5736,8 @@
         </p:nvCxnSpPr>
         <p:spPr>
           <a:xfrm>
-            <a:off x="10190269" y="3492659"/>
-            <a:ext cx="536758" cy="0"/>
+            <a:off x="10409949" y="3492711"/>
+            <a:ext cx="537171" cy="0"/>
           </a:xfrm>
           <a:prstGeom prst="straightConnector1">
             <a:avLst/>
@@ -5785,8 +5784,8 @@
         </p:nvCxnSpPr>
         <p:spPr>
           <a:xfrm>
-            <a:off x="10184245" y="4552124"/>
-            <a:ext cx="542787" cy="0"/>
+            <a:off x="10403920" y="4552176"/>
+            <a:ext cx="543200" cy="0"/>
           </a:xfrm>
           <a:prstGeom prst="straightConnector1">
             <a:avLst/>
@@ -5829,7 +5828,7 @@
         </p:nvGrpSpPr>
         <p:grpSpPr>
           <a:xfrm>
-            <a:off x="13131019" y="761610"/>
+            <a:off x="13351107" y="761657"/>
             <a:ext cx="1849465" cy="4327585"/>
             <a:chOff x="7784618" y="1474472"/>
             <a:chExt cx="1809824" cy="4234829"/>
@@ -6227,17 +6226,19 @@
           </p:cNvPr>
           <p:cNvCxnSpPr>
             <a:cxnSpLocks/>
+            <a:stCxn id="51" idx="3"/>
+            <a:endCxn id="257" idx="1"/>
           </p:cNvCxnSpPr>
           <p:nvPr/>
         </p:nvCxnSpPr>
         <p:spPr>
           <a:xfrm flipV="1">
-            <a:off x="14865366" y="3002486"/>
-            <a:ext cx="908003" cy="1568984"/>
+            <a:off x="15050227" y="2983145"/>
+            <a:ext cx="687915" cy="1569031"/>
           </a:xfrm>
           <a:prstGeom prst="bentConnector3">
             <a:avLst>
-              <a:gd name="adj1" fmla="val 66291"/>
+              <a:gd name="adj1" fmla="val 50000"/>
             </a:avLst>
           </a:prstGeom>
           <a:ln w="38100">
@@ -6278,7 +6279,7 @@
         </p:nvSpPr>
         <p:spPr>
           <a:xfrm>
-            <a:off x="12408798" y="2733978"/>
+            <a:off x="12628886" y="2734025"/>
             <a:ext cx="698164" cy="978937"/>
           </a:xfrm>
           <a:prstGeom prst="rect">
@@ -6316,7 +6317,7 @@
         </p:nvCxnSpPr>
         <p:spPr>
           <a:xfrm rot="5400000" flipH="1" flipV="1">
-            <a:off x="8812681" y="2755011"/>
+            <a:off x="9032769" y="2755058"/>
             <a:ext cx="3033232" cy="278052"/>
           </a:xfrm>
           <a:prstGeom prst="bentConnector3">
@@ -6364,7 +6365,7 @@
         </p:nvCxnSpPr>
         <p:spPr>
           <a:xfrm rot="5400000" flipH="1" flipV="1">
-            <a:off x="10930993" y="2685147"/>
+            <a:off x="11151081" y="2685194"/>
             <a:ext cx="3088616" cy="362396"/>
           </a:xfrm>
           <a:prstGeom prst="bentConnector3">
@@ -6448,7 +6449,7 @@
         </p:nvCxnSpPr>
         <p:spPr>
           <a:xfrm>
-            <a:off x="11525410" y="2668279"/>
+            <a:off x="11745498" y="2668326"/>
             <a:ext cx="0" cy="383285"/>
           </a:xfrm>
           <a:prstGeom prst="straightConnector1">
@@ -6493,7 +6494,7 @@
         </p:nvCxnSpPr>
         <p:spPr>
           <a:xfrm>
-            <a:off x="11534566" y="3941329"/>
+            <a:off x="11754654" y="3941376"/>
             <a:ext cx="0" cy="383285"/>
           </a:xfrm>
           <a:prstGeom prst="straightConnector1">
@@ -6538,7 +6539,7 @@
         </p:nvCxnSpPr>
         <p:spPr>
           <a:xfrm>
-            <a:off x="14046592" y="2673598"/>
+            <a:off x="14266680" y="2673645"/>
             <a:ext cx="0" cy="383285"/>
           </a:xfrm>
           <a:prstGeom prst="straightConnector1">
@@ -6583,7 +6584,7 @@
         </p:nvCxnSpPr>
         <p:spPr>
           <a:xfrm>
-            <a:off x="14055748" y="3946648"/>
+            <a:off x="14275836" y="3946695"/>
             <a:ext cx="0" cy="383285"/>
           </a:xfrm>
           <a:prstGeom prst="straightConnector1">
@@ -6630,7 +6631,7 @@
         </p:nvCxnSpPr>
         <p:spPr>
           <a:xfrm>
-            <a:off x="12294103" y="3492659"/>
+            <a:off x="12514191" y="3492706"/>
             <a:ext cx="974984" cy="0"/>
           </a:xfrm>
           <a:prstGeom prst="straightConnector1">
@@ -6678,7 +6679,7 @@
         </p:nvCxnSpPr>
         <p:spPr>
           <a:xfrm>
-            <a:off x="12282674" y="2416964"/>
+            <a:off x="12502762" y="2417011"/>
             <a:ext cx="986414" cy="0"/>
           </a:xfrm>
           <a:prstGeom prst="straightConnector1">
@@ -6726,7 +6727,7 @@
         </p:nvCxnSpPr>
         <p:spPr>
           <a:xfrm>
-            <a:off x="12288079" y="4552124"/>
+            <a:off x="12508167" y="4552171"/>
             <a:ext cx="981013" cy="0"/>
           </a:xfrm>
           <a:prstGeom prst="straightConnector1">
